--- a/presentations/problem_presentation.pptx
+++ b/presentations/problem_presentation.pptx
@@ -6,6 +6,15 @@
   </p:sldMasterIdLst>
   <p:sldIdLst>
     <p:sldId id="256" r:id="rId2"/>
+    <p:sldId id="257" r:id="rId3"/>
+    <p:sldId id="258" r:id="rId4"/>
+    <p:sldId id="264" r:id="rId5"/>
+    <p:sldId id="259" r:id="rId6"/>
+    <p:sldId id="260" r:id="rId7"/>
+    <p:sldId id="261" r:id="rId8"/>
+    <p:sldId id="262" r:id="rId9"/>
+    <p:sldId id="263" r:id="rId10"/>
+    <p:sldId id="265" r:id="rId11"/>
   </p:sldIdLst>
   <p:sldSz cx="12192000" cy="6858000"/>
   <p:notesSz cx="6858000" cy="9144000"/>
@@ -104,6 +113,11 @@
       </a:defRPr>
     </a:lvl9pPr>
   </p:defaultTextStyle>
+  <p:extLst>
+    <p:ext uri="{EFAFB233-063F-42B5-8137-9DF3F51BA10A}">
+      <p15:sldGuideLst xmlns:p15="http://schemas.microsoft.com/office/powerpoint/2012/main"/>
+    </p:ext>
+  </p:extLst>
 </p:presentation>
 </file>
 
@@ -254,7 +268,7 @@
           <a:p>
             <a:fld id="{FB19B9F2-EEDC-40EA-ACE5-9176E4654885}" type="datetimeFigureOut">
               <a:rPr lang="en-US" smtClean="0"/>
-              <a:t>4/7/2022</a:t>
+              <a:t>4/27/2022</a:t>
             </a:fld>
             <a:endParaRPr lang="en-US"/>
           </a:p>
@@ -452,7 +466,7 @@
           <a:p>
             <a:fld id="{FB19B9F2-EEDC-40EA-ACE5-9176E4654885}" type="datetimeFigureOut">
               <a:rPr lang="en-US" smtClean="0"/>
-              <a:t>4/7/2022</a:t>
+              <a:t>4/27/2022</a:t>
             </a:fld>
             <a:endParaRPr lang="en-US"/>
           </a:p>
@@ -660,7 +674,7 @@
           <a:p>
             <a:fld id="{FB19B9F2-EEDC-40EA-ACE5-9176E4654885}" type="datetimeFigureOut">
               <a:rPr lang="en-US" smtClean="0"/>
-              <a:t>4/7/2022</a:t>
+              <a:t>4/27/2022</a:t>
             </a:fld>
             <a:endParaRPr lang="en-US"/>
           </a:p>
@@ -858,7 +872,7 @@
           <a:p>
             <a:fld id="{FB19B9F2-EEDC-40EA-ACE5-9176E4654885}" type="datetimeFigureOut">
               <a:rPr lang="en-US" smtClean="0"/>
-              <a:t>4/7/2022</a:t>
+              <a:t>4/27/2022</a:t>
             </a:fld>
             <a:endParaRPr lang="en-US"/>
           </a:p>
@@ -1133,7 +1147,7 @@
           <a:p>
             <a:fld id="{FB19B9F2-EEDC-40EA-ACE5-9176E4654885}" type="datetimeFigureOut">
               <a:rPr lang="en-US" smtClean="0"/>
-              <a:t>4/7/2022</a:t>
+              <a:t>4/27/2022</a:t>
             </a:fld>
             <a:endParaRPr lang="en-US"/>
           </a:p>
@@ -1398,7 +1412,7 @@
           <a:p>
             <a:fld id="{FB19B9F2-EEDC-40EA-ACE5-9176E4654885}" type="datetimeFigureOut">
               <a:rPr lang="en-US" smtClean="0"/>
-              <a:t>4/7/2022</a:t>
+              <a:t>4/27/2022</a:t>
             </a:fld>
             <a:endParaRPr lang="en-US"/>
           </a:p>
@@ -1810,7 +1824,7 @@
           <a:p>
             <a:fld id="{FB19B9F2-EEDC-40EA-ACE5-9176E4654885}" type="datetimeFigureOut">
               <a:rPr lang="en-US" smtClean="0"/>
-              <a:t>4/7/2022</a:t>
+              <a:t>4/27/2022</a:t>
             </a:fld>
             <a:endParaRPr lang="en-US"/>
           </a:p>
@@ -1951,7 +1965,7 @@
           <a:p>
             <a:fld id="{FB19B9F2-EEDC-40EA-ACE5-9176E4654885}" type="datetimeFigureOut">
               <a:rPr lang="en-US" smtClean="0"/>
-              <a:t>4/7/2022</a:t>
+              <a:t>4/27/2022</a:t>
             </a:fld>
             <a:endParaRPr lang="en-US"/>
           </a:p>
@@ -2064,7 +2078,7 @@
           <a:p>
             <a:fld id="{FB19B9F2-EEDC-40EA-ACE5-9176E4654885}" type="datetimeFigureOut">
               <a:rPr lang="en-US" smtClean="0"/>
-              <a:t>4/7/2022</a:t>
+              <a:t>4/27/2022</a:t>
             </a:fld>
             <a:endParaRPr lang="en-US"/>
           </a:p>
@@ -2375,7 +2389,7 @@
           <a:p>
             <a:fld id="{FB19B9F2-EEDC-40EA-ACE5-9176E4654885}" type="datetimeFigureOut">
               <a:rPr lang="en-US" smtClean="0"/>
-              <a:t>4/7/2022</a:t>
+              <a:t>4/27/2022</a:t>
             </a:fld>
             <a:endParaRPr lang="en-US"/>
           </a:p>
@@ -2663,7 +2677,7 @@
           <a:p>
             <a:fld id="{FB19B9F2-EEDC-40EA-ACE5-9176E4654885}" type="datetimeFigureOut">
               <a:rPr lang="en-US" smtClean="0"/>
-              <a:t>4/7/2022</a:t>
+              <a:t>4/27/2022</a:t>
             </a:fld>
             <a:endParaRPr lang="en-US"/>
           </a:p>
@@ -2776,7 +2790,7 @@
         </p:nvSpPr>
         <p:spPr>
           <a:xfrm>
-            <a:off x="838200" y="365125"/>
+            <a:off x="838200" y="348500"/>
             <a:ext cx="10515600" cy="1325563"/>
           </a:xfrm>
           <a:prstGeom prst="rect">
@@ -2898,13 +2912,16 @@
                     <a:tint val="75000"/>
                   </a:schemeClr>
                 </a:solidFill>
+                <a:latin typeface="Times New Roman" panose="02020603050405020304" pitchFamily="18" charset="0"/>
+                <a:cs typeface="Times New Roman" panose="02020603050405020304" pitchFamily="18" charset="0"/>
               </a:defRPr>
             </a:lvl1pPr>
           </a:lstStyle>
           <a:p>
             <a:fld id="{FB19B9F2-EEDC-40EA-ACE5-9176E4654885}" type="datetimeFigureOut">
               <a:rPr lang="en-US" smtClean="0"/>
-              <a:t>4/7/2022</a:t>
+              <a:pPr/>
+              <a:t>4/27/2022</a:t>
             </a:fld>
             <a:endParaRPr lang="en-US"/>
           </a:p>
@@ -2945,6 +2962,8 @@
                     <a:tint val="75000"/>
                   </a:schemeClr>
                 </a:solidFill>
+                <a:latin typeface="Times New Roman" panose="02020603050405020304" pitchFamily="18" charset="0"/>
+                <a:cs typeface="Times New Roman" panose="02020603050405020304" pitchFamily="18" charset="0"/>
               </a:defRPr>
             </a:lvl1pPr>
           </a:lstStyle>
@@ -2988,12 +3007,15 @@
                     <a:tint val="75000"/>
                   </a:schemeClr>
                 </a:solidFill>
+                <a:latin typeface="Times New Roman" panose="02020603050405020304" pitchFamily="18" charset="0"/>
+                <a:cs typeface="Times New Roman" panose="02020603050405020304" pitchFamily="18" charset="0"/>
               </a:defRPr>
             </a:lvl1pPr>
           </a:lstStyle>
           <a:p>
             <a:fld id="{85BC6171-A1B4-435A-BED9-CAAFA14BE5C6}" type="slidenum">
               <a:rPr lang="en-US" smtClean="0"/>
+              <a:pPr/>
               <a:t>‹#›</a:t>
             </a:fld>
             <a:endParaRPr lang="en-US"/>
@@ -3035,9 +3057,9 @@
           <a:solidFill>
             <a:schemeClr val="tx1"/>
           </a:solidFill>
-          <a:latin typeface="+mj-lt"/>
+          <a:latin typeface="Times New Roman" panose="02020603050405020304" pitchFamily="18" charset="0"/>
           <a:ea typeface="+mj-ea"/>
-          <a:cs typeface="+mj-cs"/>
+          <a:cs typeface="Times New Roman" panose="02020603050405020304" pitchFamily="18" charset="0"/>
         </a:defRPr>
       </a:lvl1pPr>
     </p:titleStyle>
@@ -3055,9 +3077,9 @@
           <a:solidFill>
             <a:schemeClr val="tx1"/>
           </a:solidFill>
-          <a:latin typeface="+mn-lt"/>
+          <a:latin typeface="Times New Roman" panose="02020603050405020304" pitchFamily="18" charset="0"/>
           <a:ea typeface="+mn-ea"/>
-          <a:cs typeface="+mn-cs"/>
+          <a:cs typeface="Times New Roman" panose="02020603050405020304" pitchFamily="18" charset="0"/>
         </a:defRPr>
       </a:lvl1pPr>
       <a:lvl2pPr marL="685800" indent="-228600" algn="l" defTabSz="914400" rtl="0" eaLnBrk="1" latinLnBrk="0" hangingPunct="1">
@@ -3073,9 +3095,9 @@
           <a:solidFill>
             <a:schemeClr val="tx1"/>
           </a:solidFill>
-          <a:latin typeface="+mn-lt"/>
+          <a:latin typeface="Times New Roman" panose="02020603050405020304" pitchFamily="18" charset="0"/>
           <a:ea typeface="+mn-ea"/>
-          <a:cs typeface="+mn-cs"/>
+          <a:cs typeface="Times New Roman" panose="02020603050405020304" pitchFamily="18" charset="0"/>
         </a:defRPr>
       </a:lvl2pPr>
       <a:lvl3pPr marL="1143000" indent="-228600" algn="l" defTabSz="914400" rtl="0" eaLnBrk="1" latinLnBrk="0" hangingPunct="1">
@@ -3091,9 +3113,9 @@
           <a:solidFill>
             <a:schemeClr val="tx1"/>
           </a:solidFill>
-          <a:latin typeface="+mn-lt"/>
+          <a:latin typeface="Times New Roman" panose="02020603050405020304" pitchFamily="18" charset="0"/>
           <a:ea typeface="+mn-ea"/>
-          <a:cs typeface="+mn-cs"/>
+          <a:cs typeface="Times New Roman" panose="02020603050405020304" pitchFamily="18" charset="0"/>
         </a:defRPr>
       </a:lvl3pPr>
       <a:lvl4pPr marL="1600200" indent="-228600" algn="l" defTabSz="914400" rtl="0" eaLnBrk="1" latinLnBrk="0" hangingPunct="1">
@@ -3109,9 +3131,9 @@
           <a:solidFill>
             <a:schemeClr val="tx1"/>
           </a:solidFill>
-          <a:latin typeface="+mn-lt"/>
+          <a:latin typeface="Times New Roman" panose="02020603050405020304" pitchFamily="18" charset="0"/>
           <a:ea typeface="+mn-ea"/>
-          <a:cs typeface="+mn-cs"/>
+          <a:cs typeface="Times New Roman" panose="02020603050405020304" pitchFamily="18" charset="0"/>
         </a:defRPr>
       </a:lvl4pPr>
       <a:lvl5pPr marL="2057400" indent="-228600" algn="l" defTabSz="914400" rtl="0" eaLnBrk="1" latinLnBrk="0" hangingPunct="1">
@@ -3127,9 +3149,9 @@
           <a:solidFill>
             <a:schemeClr val="tx1"/>
           </a:solidFill>
-          <a:latin typeface="+mn-lt"/>
+          <a:latin typeface="Times New Roman" panose="02020603050405020304" pitchFamily="18" charset="0"/>
           <a:ea typeface="+mn-ea"/>
-          <a:cs typeface="+mn-cs"/>
+          <a:cs typeface="Times New Roman" panose="02020603050405020304" pitchFamily="18" charset="0"/>
         </a:defRPr>
       </a:lvl5pPr>
       <a:lvl6pPr marL="2514600" indent="-228600" algn="l" defTabSz="914400" rtl="0" eaLnBrk="1" latinLnBrk="0" hangingPunct="1">
@@ -3342,7 +3364,10 @@
           <a:bodyPr/>
           <a:lstStyle/>
           <a:p>
-            <a:endParaRPr lang="en-US"/>
+            <a:r>
+              <a:rPr lang="en-US" dirty="0"/>
+              <a:t>Vertex Cover Problem Project Presentation</a:t>
+            </a:r>
           </a:p>
         </p:txBody>
       </p:sp>
@@ -3367,7 +3392,34 @@
           <a:bodyPr/>
           <a:lstStyle/>
           <a:p>
-            <a:endParaRPr lang="en-US"/>
+            <a:r>
+              <a:rPr lang="en-US" dirty="0"/>
+              <a:t>Will Chen, Chase </a:t>
+            </a:r>
+            <a:r>
+              <a:rPr lang="en-US" dirty="0" err="1"/>
+              <a:t>Briles</a:t>
+            </a:r>
+            <a:r>
+              <a:rPr lang="en-US" dirty="0"/>
+              <a:t>, Andrew </a:t>
+            </a:r>
+            <a:r>
+              <a:rPr lang="en-US" dirty="0" err="1"/>
+              <a:t>Toske</a:t>
+            </a:r>
+            <a:r>
+              <a:rPr lang="en-US" dirty="0"/>
+              <a:t>, Alex </a:t>
+            </a:r>
+            <a:r>
+              <a:rPr lang="en-US" dirty="0" err="1"/>
+              <a:t>Guilliams</a:t>
+            </a:r>
+            <a:endParaRPr lang="en-US" dirty="0"/>
+          </a:p>
+          <a:p>
+            <a:endParaRPr lang="en-US" dirty="0"/>
           </a:p>
         </p:txBody>
       </p:sp>
@@ -3375,6 +3427,4824 @@
     <p:extLst>
       <p:ext uri="{BB962C8B-B14F-4D97-AF65-F5344CB8AC3E}">
         <p14:creationId xmlns:p14="http://schemas.microsoft.com/office/powerpoint/2010/main" val="649797288"/>
+      </p:ext>
+    </p:extLst>
+  </p:cSld>
+  <p:clrMapOvr>
+    <a:masterClrMapping/>
+  </p:clrMapOvr>
+</p:sld>
+</file>
+
+<file path=ppt/slides/slide10.xml><?xml version="1.0" encoding="utf-8"?>
+<p:sld xmlns:a="http://schemas.openxmlformats.org/drawingml/2006/main" xmlns:r="http://schemas.openxmlformats.org/officeDocument/2006/relationships" xmlns:p="http://schemas.openxmlformats.org/presentationml/2006/main">
+  <p:cSld>
+    <p:spTree>
+      <p:nvGrpSpPr>
+        <p:cNvPr id="1" name=""/>
+        <p:cNvGrpSpPr/>
+        <p:nvPr/>
+      </p:nvGrpSpPr>
+      <p:grpSpPr>
+        <a:xfrm>
+          <a:off x="0" y="0"/>
+          <a:ext cx="0" cy="0"/>
+          <a:chOff x="0" y="0"/>
+          <a:chExt cx="0" cy="0"/>
+        </a:xfrm>
+      </p:grpSpPr>
+      <p:sp>
+        <p:nvSpPr>
+          <p:cNvPr id="2" name="Title 1">
+            <a:extLst>
+              <a:ext uri="{FF2B5EF4-FFF2-40B4-BE49-F238E27FC236}">
+                <a16:creationId xmlns:a16="http://schemas.microsoft.com/office/drawing/2014/main" id="{5ECDB4A4-88EF-46AC-9DEC-926F69D795AC}"/>
+              </a:ext>
+            </a:extLst>
+          </p:cNvPr>
+          <p:cNvSpPr>
+            <a:spLocks noGrp="1"/>
+          </p:cNvSpPr>
+          <p:nvPr>
+            <p:ph type="title"/>
+          </p:nvPr>
+        </p:nvSpPr>
+        <p:spPr/>
+        <p:txBody>
+          <a:bodyPr/>
+          <a:lstStyle/>
+          <a:p>
+            <a:r>
+              <a:rPr lang="en-US" dirty="0"/>
+              <a:t>Sources</a:t>
+            </a:r>
+          </a:p>
+        </p:txBody>
+      </p:sp>
+      <p:sp>
+        <p:nvSpPr>
+          <p:cNvPr id="3" name="Content Placeholder 2">
+            <a:extLst>
+              <a:ext uri="{FF2B5EF4-FFF2-40B4-BE49-F238E27FC236}">
+                <a16:creationId xmlns:a16="http://schemas.microsoft.com/office/drawing/2014/main" id="{5E9F8BBF-9031-43DC-9879-2564B3536EB5}"/>
+              </a:ext>
+            </a:extLst>
+          </p:cNvPr>
+          <p:cNvSpPr>
+            <a:spLocks noGrp="1"/>
+          </p:cNvSpPr>
+          <p:nvPr>
+            <p:ph idx="1"/>
+          </p:nvPr>
+        </p:nvSpPr>
+        <p:spPr/>
+        <p:txBody>
+          <a:bodyPr/>
+          <a:lstStyle/>
+          <a:p>
+            <a:pPr marL="0" indent="0">
+              <a:buNone/>
+            </a:pPr>
+            <a:r>
+              <a:rPr lang="en-US" dirty="0">
+                <a:hlinkClick r:id="rId2"/>
+              </a:rPr>
+              <a:t>https://www.cs.princeton.edu/~wayne/cs423/lectures/reductions-poly-4up.pdf</a:t>
+            </a:r>
+            <a:endParaRPr lang="en-US" dirty="0"/>
+          </a:p>
+          <a:p>
+            <a:pPr marL="0" indent="0">
+              <a:buNone/>
+            </a:pPr>
+            <a:r>
+              <a:rPr lang="en-US" dirty="0">
+                <a:hlinkClick r:id="rId3"/>
+              </a:rPr>
+              <a:t>http://www.cs.cornell.edu/courses/cs482/2007sp/NPComplete.pdf</a:t>
+            </a:r>
+            <a:endParaRPr lang="en-US" dirty="0"/>
+          </a:p>
+          <a:p>
+            <a:pPr marL="0" indent="0">
+              <a:buNone/>
+            </a:pPr>
+            <a:r>
+              <a:rPr lang="en-US" dirty="0"/>
+              <a:t>https://www.clear.rice.edu/comp487/VC_Clique.pdf</a:t>
+            </a:r>
+          </a:p>
+        </p:txBody>
+      </p:sp>
+    </p:spTree>
+    <p:extLst>
+      <p:ext uri="{BB962C8B-B14F-4D97-AF65-F5344CB8AC3E}">
+        <p14:creationId xmlns:p14="http://schemas.microsoft.com/office/powerpoint/2010/main" val="2162595818"/>
+      </p:ext>
+    </p:extLst>
+  </p:cSld>
+  <p:clrMapOvr>
+    <a:masterClrMapping/>
+  </p:clrMapOvr>
+</p:sld>
+</file>
+
+<file path=ppt/slides/slide2.xml><?xml version="1.0" encoding="utf-8"?>
+<p:sld xmlns:a="http://schemas.openxmlformats.org/drawingml/2006/main" xmlns:r="http://schemas.openxmlformats.org/officeDocument/2006/relationships" xmlns:p="http://schemas.openxmlformats.org/presentationml/2006/main">
+  <p:cSld>
+    <p:spTree>
+      <p:nvGrpSpPr>
+        <p:cNvPr id="1" name=""/>
+        <p:cNvGrpSpPr/>
+        <p:nvPr/>
+      </p:nvGrpSpPr>
+      <p:grpSpPr>
+        <a:xfrm>
+          <a:off x="0" y="0"/>
+          <a:ext cx="0" cy="0"/>
+          <a:chOff x="0" y="0"/>
+          <a:chExt cx="0" cy="0"/>
+        </a:xfrm>
+      </p:grpSpPr>
+      <p:sp>
+        <p:nvSpPr>
+          <p:cNvPr id="6" name="Title 1">
+            <a:extLst>
+              <a:ext uri="{FF2B5EF4-FFF2-40B4-BE49-F238E27FC236}">
+                <a16:creationId xmlns:a16="http://schemas.microsoft.com/office/drawing/2014/main" id="{6EC10A7F-0929-4CF7-B16C-983111104990}"/>
+              </a:ext>
+            </a:extLst>
+          </p:cNvPr>
+          <p:cNvSpPr>
+            <a:spLocks noGrp="1"/>
+          </p:cNvSpPr>
+          <p:nvPr>
+            <p:ph type="title"/>
+          </p:nvPr>
+        </p:nvSpPr>
+        <p:spPr>
+          <a:xfrm>
+            <a:off x="838200" y="348499"/>
+            <a:ext cx="10515600" cy="1325563"/>
+          </a:xfrm>
+        </p:spPr>
+        <p:txBody>
+          <a:bodyPr/>
+          <a:lstStyle/>
+          <a:p>
+            <a:r>
+              <a:rPr lang="en-US" dirty="0"/>
+              <a:t>Vertex Cover Problem</a:t>
+            </a:r>
+          </a:p>
+        </p:txBody>
+      </p:sp>
+      <p:sp>
+        <p:nvSpPr>
+          <p:cNvPr id="7" name="Content Placeholder 2">
+            <a:extLst>
+              <a:ext uri="{FF2B5EF4-FFF2-40B4-BE49-F238E27FC236}">
+                <a16:creationId xmlns:a16="http://schemas.microsoft.com/office/drawing/2014/main" id="{84AC789C-2480-41E9-B4E5-36858740150F}"/>
+              </a:ext>
+            </a:extLst>
+          </p:cNvPr>
+          <p:cNvSpPr>
+            <a:spLocks noGrp="1"/>
+          </p:cNvSpPr>
+          <p:nvPr>
+            <p:ph idx="1"/>
+          </p:nvPr>
+        </p:nvSpPr>
+        <p:spPr>
+          <a:xfrm>
+            <a:off x="838200" y="1842251"/>
+            <a:ext cx="10515600" cy="4351338"/>
+          </a:xfrm>
+        </p:spPr>
+        <p:txBody>
+          <a:bodyPr>
+            <a:normAutofit fontScale="92500" lnSpcReduction="10000"/>
+          </a:bodyPr>
+          <a:lstStyle/>
+          <a:p>
+            <a:r>
+              <a:rPr lang="en-US" dirty="0"/>
+              <a:t>What is a vertex cover?</a:t>
+            </a:r>
+          </a:p>
+          <a:p>
+            <a:pPr lvl="1"/>
+            <a:r>
+              <a:rPr lang="en-US" dirty="0"/>
+              <a:t>A vertex cover is a list of vertices that contains at least one endpoint of every edge in the graph</a:t>
+            </a:r>
+          </a:p>
+          <a:p>
+            <a:r>
+              <a:rPr lang="en-US" dirty="0"/>
+              <a:t>What is the Vertex Cover Problem?</a:t>
+            </a:r>
+          </a:p>
+          <a:p>
+            <a:pPr lvl="1"/>
+            <a:r>
+              <a:rPr lang="en-US" dirty="0"/>
+              <a:t>Given an undirected graph G = (V, E), is there a subset of vertices S</a:t>
+            </a:r>
+            <a:r>
+              <a:rPr lang="en-US" dirty="0">
+                <a:latin typeface="MS Gothic" panose="020B0609070205080204" pitchFamily="49" charset="-128"/>
+                <a:ea typeface="MS Gothic" panose="020B0609070205080204" pitchFamily="49" charset="-128"/>
+              </a:rPr>
+              <a:t>⊆</a:t>
+            </a:r>
+            <a:r>
+              <a:rPr lang="en-US" dirty="0"/>
+              <a:t>V such that if (u, v)</a:t>
+            </a:r>
+            <a:r>
+              <a:rPr lang="en-US" dirty="0">
+                <a:latin typeface="MS Gothic" panose="020B0609070205080204" pitchFamily="49" charset="-128"/>
+                <a:ea typeface="MS Gothic" panose="020B0609070205080204" pitchFamily="49" charset="-128"/>
+              </a:rPr>
+              <a:t>∈</a:t>
+            </a:r>
+            <a:r>
+              <a:rPr lang="en-US" dirty="0"/>
+              <a:t>E then either </a:t>
+            </a:r>
+            <a:r>
+              <a:rPr lang="en-US" dirty="0" err="1"/>
+              <a:t>u</a:t>
+            </a:r>
+            <a:r>
+              <a:rPr lang="en-US" dirty="0" err="1">
+                <a:latin typeface="MS Gothic" panose="020B0609070205080204" pitchFamily="49" charset="-128"/>
+                <a:ea typeface="MS Gothic" panose="020B0609070205080204" pitchFamily="49" charset="-128"/>
+              </a:rPr>
+              <a:t>∈</a:t>
+            </a:r>
+            <a:r>
+              <a:rPr lang="en-US" dirty="0" err="1"/>
+              <a:t>S</a:t>
+            </a:r>
+            <a:r>
+              <a:rPr lang="en-US" dirty="0"/>
+              <a:t>, </a:t>
+            </a:r>
+            <a:r>
+              <a:rPr lang="en-US" dirty="0" err="1"/>
+              <a:t>v</a:t>
+            </a:r>
+            <a:r>
+              <a:rPr lang="en-US" dirty="0" err="1">
+                <a:latin typeface="MS Gothic" panose="020B0609070205080204" pitchFamily="49" charset="-128"/>
+                <a:ea typeface="MS Gothic" panose="020B0609070205080204" pitchFamily="49" charset="-128"/>
+              </a:rPr>
+              <a:t>∈</a:t>
+            </a:r>
+            <a:r>
+              <a:rPr lang="en-US" dirty="0" err="1"/>
+              <a:t>S</a:t>
+            </a:r>
+            <a:r>
+              <a:rPr lang="en-US" dirty="0"/>
+              <a:t> or both?</a:t>
+            </a:r>
+          </a:p>
+          <a:p>
+            <a:r>
+              <a:rPr lang="en-US" dirty="0"/>
+              <a:t>Optimization Version:</a:t>
+            </a:r>
+          </a:p>
+          <a:p>
+            <a:pPr lvl="1"/>
+            <a:r>
+              <a:rPr lang="en-US" dirty="0"/>
+              <a:t>Given an undirected graph G = (V, E) what is the smallest subset of vertices S</a:t>
+            </a:r>
+            <a:r>
+              <a:rPr lang="en-US" dirty="0">
+                <a:latin typeface="MS Gothic" panose="020B0609070205080204" pitchFamily="49" charset="-128"/>
+                <a:ea typeface="MS Gothic" panose="020B0609070205080204" pitchFamily="49" charset="-128"/>
+              </a:rPr>
+              <a:t>⊆</a:t>
+            </a:r>
+            <a:r>
+              <a:rPr lang="en-US" dirty="0"/>
+              <a:t>V such if (u, v)</a:t>
+            </a:r>
+            <a:r>
+              <a:rPr lang="en-US" dirty="0">
+                <a:latin typeface="MS Gothic" panose="020B0609070205080204" pitchFamily="49" charset="-128"/>
+                <a:ea typeface="MS Gothic" panose="020B0609070205080204" pitchFamily="49" charset="-128"/>
+              </a:rPr>
+              <a:t>∈</a:t>
+            </a:r>
+            <a:r>
+              <a:rPr lang="en-US" dirty="0"/>
+              <a:t>E then either </a:t>
+            </a:r>
+            <a:r>
+              <a:rPr lang="en-US" dirty="0" err="1"/>
+              <a:t>u</a:t>
+            </a:r>
+            <a:r>
+              <a:rPr lang="en-US" dirty="0" err="1">
+                <a:latin typeface="MS Gothic" panose="020B0609070205080204" pitchFamily="49" charset="-128"/>
+                <a:ea typeface="MS Gothic" panose="020B0609070205080204" pitchFamily="49" charset="-128"/>
+              </a:rPr>
+              <a:t>∈</a:t>
+            </a:r>
+            <a:r>
+              <a:rPr lang="en-US" dirty="0" err="1"/>
+              <a:t>S</a:t>
+            </a:r>
+            <a:r>
+              <a:rPr lang="en-US" dirty="0"/>
+              <a:t>, </a:t>
+            </a:r>
+            <a:r>
+              <a:rPr lang="en-US" dirty="0" err="1"/>
+              <a:t>v</a:t>
+            </a:r>
+            <a:r>
+              <a:rPr lang="en-US" dirty="0" err="1">
+                <a:latin typeface="MS Gothic" panose="020B0609070205080204" pitchFamily="49" charset="-128"/>
+                <a:ea typeface="MS Gothic" panose="020B0609070205080204" pitchFamily="49" charset="-128"/>
+              </a:rPr>
+              <a:t>∈</a:t>
+            </a:r>
+            <a:r>
+              <a:rPr lang="en-US" dirty="0" err="1"/>
+              <a:t>S</a:t>
+            </a:r>
+            <a:r>
+              <a:rPr lang="en-US" dirty="0"/>
+              <a:t> or both?</a:t>
+            </a:r>
+          </a:p>
+          <a:p>
+            <a:r>
+              <a:rPr lang="en-US" dirty="0"/>
+              <a:t>Real Life Application</a:t>
+            </a:r>
+          </a:p>
+          <a:p>
+            <a:pPr lvl="1"/>
+            <a:r>
+              <a:rPr lang="en-US" dirty="0"/>
+              <a:t>In a network of roads, the task is to deploy the minimum number of cameras at intersections that covers all roads.</a:t>
+            </a:r>
+          </a:p>
+        </p:txBody>
+      </p:sp>
+    </p:spTree>
+    <p:extLst>
+      <p:ext uri="{BB962C8B-B14F-4D97-AF65-F5344CB8AC3E}">
+        <p14:creationId xmlns:p14="http://schemas.microsoft.com/office/powerpoint/2010/main" val="4252484873"/>
+      </p:ext>
+    </p:extLst>
+  </p:cSld>
+  <p:clrMapOvr>
+    <a:masterClrMapping/>
+  </p:clrMapOvr>
+</p:sld>
+</file>
+
+<file path=ppt/slides/slide3.xml><?xml version="1.0" encoding="utf-8"?>
+<p:sld xmlns:a="http://schemas.openxmlformats.org/drawingml/2006/main" xmlns:r="http://schemas.openxmlformats.org/officeDocument/2006/relationships" xmlns:p="http://schemas.openxmlformats.org/presentationml/2006/main">
+  <p:cSld>
+    <p:spTree>
+      <p:nvGrpSpPr>
+        <p:cNvPr id="1" name=""/>
+        <p:cNvGrpSpPr/>
+        <p:nvPr/>
+      </p:nvGrpSpPr>
+      <p:grpSpPr>
+        <a:xfrm>
+          <a:off x="0" y="0"/>
+          <a:ext cx="0" cy="0"/>
+          <a:chOff x="0" y="0"/>
+          <a:chExt cx="0" cy="0"/>
+        </a:xfrm>
+      </p:grpSpPr>
+      <p:sp>
+        <p:nvSpPr>
+          <p:cNvPr id="4" name="Title 1">
+            <a:extLst>
+              <a:ext uri="{FF2B5EF4-FFF2-40B4-BE49-F238E27FC236}">
+                <a16:creationId xmlns:a16="http://schemas.microsoft.com/office/drawing/2014/main" id="{55059D88-77B0-451D-AF41-E3EB66300A4F}"/>
+              </a:ext>
+            </a:extLst>
+          </p:cNvPr>
+          <p:cNvSpPr>
+            <a:spLocks noGrp="1"/>
+          </p:cNvSpPr>
+          <p:nvPr>
+            <p:ph type="title"/>
+          </p:nvPr>
+        </p:nvSpPr>
+        <p:spPr>
+          <a:xfrm>
+            <a:off x="838200" y="348499"/>
+            <a:ext cx="10515600" cy="1325563"/>
+          </a:xfrm>
+        </p:spPr>
+        <p:txBody>
+          <a:bodyPr/>
+          <a:lstStyle/>
+          <a:p>
+            <a:r>
+              <a:rPr lang="en-US" dirty="0"/>
+              <a:t>Problem Input</a:t>
+            </a:r>
+          </a:p>
+        </p:txBody>
+      </p:sp>
+      <p:sp>
+        <p:nvSpPr>
+          <p:cNvPr id="5" name="Content Placeholder 2">
+            <a:extLst>
+              <a:ext uri="{FF2B5EF4-FFF2-40B4-BE49-F238E27FC236}">
+                <a16:creationId xmlns:a16="http://schemas.microsoft.com/office/drawing/2014/main" id="{BB46B1C8-E22F-40E8-9612-09D150CC3ABA}"/>
+              </a:ext>
+            </a:extLst>
+          </p:cNvPr>
+          <p:cNvSpPr>
+            <a:spLocks noGrp="1"/>
+          </p:cNvSpPr>
+          <p:nvPr>
+            <p:ph idx="1"/>
+          </p:nvPr>
+        </p:nvSpPr>
+        <p:spPr>
+          <a:xfrm>
+            <a:off x="838200" y="1842251"/>
+            <a:ext cx="10515600" cy="4351338"/>
+          </a:xfrm>
+        </p:spPr>
+        <p:txBody>
+          <a:bodyPr/>
+          <a:lstStyle/>
+          <a:p>
+            <a:r>
+              <a:rPr lang="en-US" dirty="0"/>
+              <a:t>An undirected graph G = (V, E) and integer k</a:t>
+            </a:r>
+          </a:p>
+          <a:p>
+            <a:r>
+              <a:rPr lang="en-US" dirty="0"/>
+              <a:t>Example: </a:t>
+            </a:r>
+          </a:p>
+          <a:p>
+            <a:pPr lvl="1"/>
+            <a:r>
+              <a:rPr lang="en-US" dirty="0"/>
+              <a:t>Input: graph G, Output: 2, (A, F)</a:t>
+            </a:r>
+          </a:p>
+        </p:txBody>
+      </p:sp>
+      <p:grpSp>
+        <p:nvGrpSpPr>
+          <p:cNvPr id="6" name="Group 5">
+            <a:extLst>
+              <a:ext uri="{FF2B5EF4-FFF2-40B4-BE49-F238E27FC236}">
+                <a16:creationId xmlns:a16="http://schemas.microsoft.com/office/drawing/2014/main" id="{592DA84E-7AAE-4137-9729-6B335231488D}"/>
+              </a:ext>
+            </a:extLst>
+          </p:cNvPr>
+          <p:cNvGrpSpPr/>
+          <p:nvPr/>
+        </p:nvGrpSpPr>
+        <p:grpSpPr>
+          <a:xfrm>
+            <a:off x="7732553" y="3429000"/>
+            <a:ext cx="3919630" cy="2686045"/>
+            <a:chOff x="853580" y="3111046"/>
+            <a:chExt cx="3919630" cy="2686045"/>
+          </a:xfrm>
+        </p:grpSpPr>
+        <p:sp>
+          <p:nvSpPr>
+            <p:cNvPr id="7" name="Oval 6">
+              <a:extLst>
+                <a:ext uri="{FF2B5EF4-FFF2-40B4-BE49-F238E27FC236}">
+                  <a16:creationId xmlns:a16="http://schemas.microsoft.com/office/drawing/2014/main" id="{6C9F59B8-445F-41A9-BE50-743186D34B89}"/>
+                </a:ext>
+              </a:extLst>
+            </p:cNvPr>
+            <p:cNvSpPr/>
+            <p:nvPr/>
+          </p:nvSpPr>
+          <p:spPr>
+            <a:xfrm>
+              <a:off x="956346" y="3607266"/>
+              <a:ext cx="457200" cy="457200"/>
+            </a:xfrm>
+            <a:prstGeom prst="ellipse">
+              <a:avLst/>
+            </a:prstGeom>
+          </p:spPr>
+          <p:style>
+            <a:lnRef idx="2">
+              <a:schemeClr val="accent2">
+                <a:shade val="50000"/>
+              </a:schemeClr>
+            </a:lnRef>
+            <a:fillRef idx="1">
+              <a:schemeClr val="accent2"/>
+            </a:fillRef>
+            <a:effectRef idx="0">
+              <a:schemeClr val="accent2"/>
+            </a:effectRef>
+            <a:fontRef idx="minor">
+              <a:schemeClr val="lt1"/>
+            </a:fontRef>
+          </p:style>
+          <p:txBody>
+            <a:bodyPr rtlCol="0" anchor="ctr"/>
+            <a:lstStyle/>
+            <a:p>
+              <a:pPr algn="ctr"/>
+              <a:r>
+                <a:rPr lang="en-US" dirty="0">
+                  <a:latin typeface="Times New Roman" panose="02020603050405020304" pitchFamily="18" charset="0"/>
+                  <a:cs typeface="Times New Roman" panose="02020603050405020304" pitchFamily="18" charset="0"/>
+                </a:rPr>
+                <a:t>A</a:t>
+              </a:r>
+            </a:p>
+          </p:txBody>
+        </p:sp>
+        <p:sp>
+          <p:nvSpPr>
+            <p:cNvPr id="8" name="Oval 7">
+              <a:extLst>
+                <a:ext uri="{FF2B5EF4-FFF2-40B4-BE49-F238E27FC236}">
+                  <a16:creationId xmlns:a16="http://schemas.microsoft.com/office/drawing/2014/main" id="{95957317-676C-4ED4-B19A-1EA25275FC1F}"/>
+                </a:ext>
+              </a:extLst>
+            </p:cNvPr>
+            <p:cNvSpPr/>
+            <p:nvPr/>
+          </p:nvSpPr>
+          <p:spPr>
+            <a:xfrm>
+              <a:off x="2333174" y="4347543"/>
+              <a:ext cx="457200" cy="457200"/>
+            </a:xfrm>
+            <a:prstGeom prst="ellipse">
+              <a:avLst/>
+            </a:prstGeom>
+          </p:spPr>
+          <p:style>
+            <a:lnRef idx="2">
+              <a:schemeClr val="accent2">
+                <a:shade val="50000"/>
+              </a:schemeClr>
+            </a:lnRef>
+            <a:fillRef idx="1">
+              <a:schemeClr val="accent2"/>
+            </a:fillRef>
+            <a:effectRef idx="0">
+              <a:schemeClr val="accent2"/>
+            </a:effectRef>
+            <a:fontRef idx="minor">
+              <a:schemeClr val="lt1"/>
+            </a:fontRef>
+          </p:style>
+          <p:txBody>
+            <a:bodyPr rtlCol="0" anchor="ctr"/>
+            <a:lstStyle/>
+            <a:p>
+              <a:pPr algn="ctr"/>
+              <a:r>
+                <a:rPr lang="en-US" dirty="0">
+                  <a:latin typeface="Times New Roman" panose="02020603050405020304" pitchFamily="18" charset="0"/>
+                  <a:cs typeface="Times New Roman" panose="02020603050405020304" pitchFamily="18" charset="0"/>
+                </a:rPr>
+                <a:t>F</a:t>
+              </a:r>
+            </a:p>
+          </p:txBody>
+        </p:sp>
+        <p:sp>
+          <p:nvSpPr>
+            <p:cNvPr id="9" name="Oval 8">
+              <a:extLst>
+                <a:ext uri="{FF2B5EF4-FFF2-40B4-BE49-F238E27FC236}">
+                  <a16:creationId xmlns:a16="http://schemas.microsoft.com/office/drawing/2014/main" id="{2BE7DD4A-F575-42C9-BEE1-FB5A7191FA1B}"/>
+                </a:ext>
+              </a:extLst>
+            </p:cNvPr>
+            <p:cNvSpPr/>
+            <p:nvPr/>
+          </p:nvSpPr>
+          <p:spPr>
+            <a:xfrm>
+              <a:off x="2788610" y="5083626"/>
+              <a:ext cx="457200" cy="457200"/>
+            </a:xfrm>
+            <a:prstGeom prst="ellipse">
+              <a:avLst/>
+            </a:prstGeom>
+          </p:spPr>
+          <p:style>
+            <a:lnRef idx="2">
+              <a:schemeClr val="dk1">
+                <a:shade val="50000"/>
+              </a:schemeClr>
+            </a:lnRef>
+            <a:fillRef idx="1">
+              <a:schemeClr val="dk1"/>
+            </a:fillRef>
+            <a:effectRef idx="0">
+              <a:schemeClr val="dk1"/>
+            </a:effectRef>
+            <a:fontRef idx="minor">
+              <a:schemeClr val="lt1"/>
+            </a:fontRef>
+          </p:style>
+          <p:txBody>
+            <a:bodyPr rtlCol="0" anchor="ctr"/>
+            <a:lstStyle/>
+            <a:p>
+              <a:pPr algn="ctr"/>
+              <a:r>
+                <a:rPr lang="en-US" dirty="0">
+                  <a:latin typeface="Times New Roman" panose="02020603050405020304" pitchFamily="18" charset="0"/>
+                  <a:cs typeface="Times New Roman" panose="02020603050405020304" pitchFamily="18" charset="0"/>
+                </a:rPr>
+                <a:t>G</a:t>
+              </a:r>
+            </a:p>
+          </p:txBody>
+        </p:sp>
+        <p:sp>
+          <p:nvSpPr>
+            <p:cNvPr id="10" name="Oval 9">
+              <a:extLst>
+                <a:ext uri="{FF2B5EF4-FFF2-40B4-BE49-F238E27FC236}">
+                  <a16:creationId xmlns:a16="http://schemas.microsoft.com/office/drawing/2014/main" id="{1C843F37-34D4-4B6C-ACCD-99492909C7A8}"/>
+                </a:ext>
+              </a:extLst>
+            </p:cNvPr>
+            <p:cNvSpPr/>
+            <p:nvPr/>
+          </p:nvSpPr>
+          <p:spPr>
+            <a:xfrm>
+              <a:off x="1415278" y="4347543"/>
+              <a:ext cx="457200" cy="457200"/>
+            </a:xfrm>
+            <a:prstGeom prst="ellipse">
+              <a:avLst/>
+            </a:prstGeom>
+          </p:spPr>
+          <p:style>
+            <a:lnRef idx="2">
+              <a:schemeClr val="dk1">
+                <a:shade val="50000"/>
+              </a:schemeClr>
+            </a:lnRef>
+            <a:fillRef idx="1">
+              <a:schemeClr val="dk1"/>
+            </a:fillRef>
+            <a:effectRef idx="0">
+              <a:schemeClr val="dk1"/>
+            </a:effectRef>
+            <a:fontRef idx="minor">
+              <a:schemeClr val="lt1"/>
+            </a:fontRef>
+          </p:style>
+          <p:txBody>
+            <a:bodyPr rtlCol="0" anchor="ctr"/>
+            <a:lstStyle/>
+            <a:p>
+              <a:pPr algn="ctr"/>
+              <a:r>
+                <a:rPr lang="en-US" dirty="0">
+                  <a:latin typeface="Times New Roman" panose="02020603050405020304" pitchFamily="18" charset="0"/>
+                  <a:cs typeface="Times New Roman" panose="02020603050405020304" pitchFamily="18" charset="0"/>
+                </a:rPr>
+                <a:t>C</a:t>
+              </a:r>
+            </a:p>
+          </p:txBody>
+        </p:sp>
+        <p:sp>
+          <p:nvSpPr>
+            <p:cNvPr id="11" name="Oval 10">
+              <a:extLst>
+                <a:ext uri="{FF2B5EF4-FFF2-40B4-BE49-F238E27FC236}">
+                  <a16:creationId xmlns:a16="http://schemas.microsoft.com/office/drawing/2014/main" id="{11247CA0-F944-4B96-BDCC-6039530C8E42}"/>
+                </a:ext>
+              </a:extLst>
+            </p:cNvPr>
+            <p:cNvSpPr/>
+            <p:nvPr/>
+          </p:nvSpPr>
+          <p:spPr>
+            <a:xfrm>
+              <a:off x="1872478" y="3611460"/>
+              <a:ext cx="457200" cy="457200"/>
+            </a:xfrm>
+            <a:prstGeom prst="ellipse">
+              <a:avLst/>
+            </a:prstGeom>
+          </p:spPr>
+          <p:style>
+            <a:lnRef idx="2">
+              <a:schemeClr val="dk1">
+                <a:shade val="50000"/>
+              </a:schemeClr>
+            </a:lnRef>
+            <a:fillRef idx="1">
+              <a:schemeClr val="dk1"/>
+            </a:fillRef>
+            <a:effectRef idx="0">
+              <a:schemeClr val="dk1"/>
+            </a:effectRef>
+            <a:fontRef idx="minor">
+              <a:schemeClr val="lt1"/>
+            </a:fontRef>
+          </p:style>
+          <p:txBody>
+            <a:bodyPr rtlCol="0" anchor="ctr"/>
+            <a:lstStyle/>
+            <a:p>
+              <a:pPr algn="ctr"/>
+              <a:r>
+                <a:rPr lang="en-US" dirty="0">
+                  <a:latin typeface="Times New Roman" panose="02020603050405020304" pitchFamily="18" charset="0"/>
+                  <a:cs typeface="Times New Roman" panose="02020603050405020304" pitchFamily="18" charset="0"/>
+                </a:rPr>
+                <a:t>D</a:t>
+              </a:r>
+            </a:p>
+          </p:txBody>
+        </p:sp>
+        <p:sp>
+          <p:nvSpPr>
+            <p:cNvPr id="12" name="Oval 11">
+              <a:extLst>
+                <a:ext uri="{FF2B5EF4-FFF2-40B4-BE49-F238E27FC236}">
+                  <a16:creationId xmlns:a16="http://schemas.microsoft.com/office/drawing/2014/main" id="{D41F7525-D749-4E34-B9C0-AD2269F16990}"/>
+                </a:ext>
+              </a:extLst>
+            </p:cNvPr>
+            <p:cNvSpPr/>
+            <p:nvPr/>
+          </p:nvSpPr>
+          <p:spPr>
+            <a:xfrm>
+              <a:off x="956346" y="5083626"/>
+              <a:ext cx="457200" cy="457200"/>
+            </a:xfrm>
+            <a:prstGeom prst="ellipse">
+              <a:avLst/>
+            </a:prstGeom>
+          </p:spPr>
+          <p:style>
+            <a:lnRef idx="2">
+              <a:schemeClr val="dk1">
+                <a:shade val="50000"/>
+              </a:schemeClr>
+            </a:lnRef>
+            <a:fillRef idx="1">
+              <a:schemeClr val="dk1"/>
+            </a:fillRef>
+            <a:effectRef idx="0">
+              <a:schemeClr val="dk1"/>
+            </a:effectRef>
+            <a:fontRef idx="minor">
+              <a:schemeClr val="lt1"/>
+            </a:fontRef>
+          </p:style>
+          <p:txBody>
+            <a:bodyPr rtlCol="0" anchor="ctr"/>
+            <a:lstStyle/>
+            <a:p>
+              <a:pPr algn="ctr"/>
+              <a:r>
+                <a:rPr lang="en-US" dirty="0">
+                  <a:latin typeface="Times New Roman" panose="02020603050405020304" pitchFamily="18" charset="0"/>
+                  <a:cs typeface="Times New Roman" panose="02020603050405020304" pitchFamily="18" charset="0"/>
+                </a:rPr>
+                <a:t>B</a:t>
+              </a:r>
+            </a:p>
+          </p:txBody>
+        </p:sp>
+        <p:sp>
+          <p:nvSpPr>
+            <p:cNvPr id="13" name="Oval 12">
+              <a:extLst>
+                <a:ext uri="{FF2B5EF4-FFF2-40B4-BE49-F238E27FC236}">
+                  <a16:creationId xmlns:a16="http://schemas.microsoft.com/office/drawing/2014/main" id="{2E38B7E9-D140-49B1-AE99-3392B731A0F2}"/>
+                </a:ext>
+              </a:extLst>
+            </p:cNvPr>
+            <p:cNvSpPr/>
+            <p:nvPr/>
+          </p:nvSpPr>
+          <p:spPr>
+            <a:xfrm>
+              <a:off x="2788610" y="3607266"/>
+              <a:ext cx="457200" cy="457200"/>
+            </a:xfrm>
+            <a:prstGeom prst="ellipse">
+              <a:avLst/>
+            </a:prstGeom>
+          </p:spPr>
+          <p:style>
+            <a:lnRef idx="2">
+              <a:schemeClr val="dk1">
+                <a:shade val="50000"/>
+              </a:schemeClr>
+            </a:lnRef>
+            <a:fillRef idx="1">
+              <a:schemeClr val="dk1"/>
+            </a:fillRef>
+            <a:effectRef idx="0">
+              <a:schemeClr val="dk1"/>
+            </a:effectRef>
+            <a:fontRef idx="minor">
+              <a:schemeClr val="lt1"/>
+            </a:fontRef>
+          </p:style>
+          <p:txBody>
+            <a:bodyPr rtlCol="0" anchor="ctr"/>
+            <a:lstStyle/>
+            <a:p>
+              <a:pPr algn="ctr"/>
+              <a:r>
+                <a:rPr lang="en-US" dirty="0">
+                  <a:latin typeface="Times New Roman" panose="02020603050405020304" pitchFamily="18" charset="0"/>
+                  <a:cs typeface="Times New Roman" panose="02020603050405020304" pitchFamily="18" charset="0"/>
+                </a:rPr>
+                <a:t>E</a:t>
+              </a:r>
+            </a:p>
+          </p:txBody>
+        </p:sp>
+        <p:cxnSp>
+          <p:nvCxnSpPr>
+            <p:cNvPr id="14" name="Straight Connector 13">
+              <a:extLst>
+                <a:ext uri="{FF2B5EF4-FFF2-40B4-BE49-F238E27FC236}">
+                  <a16:creationId xmlns:a16="http://schemas.microsoft.com/office/drawing/2014/main" id="{4585E918-2845-4D2F-B9D1-D4DBB9C95EA5}"/>
+                </a:ext>
+              </a:extLst>
+            </p:cNvPr>
+            <p:cNvCxnSpPr>
+              <a:cxnSpLocks/>
+              <a:stCxn id="7" idx="4"/>
+              <a:endCxn id="12" idx="0"/>
+            </p:cNvCxnSpPr>
+            <p:nvPr/>
+          </p:nvCxnSpPr>
+          <p:spPr>
+            <a:xfrm>
+              <a:off x="1184946" y="4064466"/>
+              <a:ext cx="0" cy="1019160"/>
+            </a:xfrm>
+            <a:prstGeom prst="line">
+              <a:avLst/>
+            </a:prstGeom>
+          </p:spPr>
+          <p:style>
+            <a:lnRef idx="1">
+              <a:schemeClr val="dk1"/>
+            </a:lnRef>
+            <a:fillRef idx="0">
+              <a:schemeClr val="dk1"/>
+            </a:fillRef>
+            <a:effectRef idx="0">
+              <a:schemeClr val="dk1"/>
+            </a:effectRef>
+            <a:fontRef idx="minor">
+              <a:schemeClr val="tx1"/>
+            </a:fontRef>
+          </p:style>
+        </p:cxnSp>
+        <p:cxnSp>
+          <p:nvCxnSpPr>
+            <p:cNvPr id="15" name="Straight Connector 14">
+              <a:extLst>
+                <a:ext uri="{FF2B5EF4-FFF2-40B4-BE49-F238E27FC236}">
+                  <a16:creationId xmlns:a16="http://schemas.microsoft.com/office/drawing/2014/main" id="{62FF7CE7-FD57-4709-9109-EDD4F4804461}"/>
+                </a:ext>
+              </a:extLst>
+            </p:cNvPr>
+            <p:cNvCxnSpPr>
+              <a:cxnSpLocks/>
+              <a:stCxn id="7" idx="5"/>
+              <a:endCxn id="10" idx="0"/>
+            </p:cNvCxnSpPr>
+            <p:nvPr/>
+          </p:nvCxnSpPr>
+          <p:spPr>
+            <a:xfrm>
+              <a:off x="1346591" y="3997511"/>
+              <a:ext cx="297287" cy="350032"/>
+            </a:xfrm>
+            <a:prstGeom prst="line">
+              <a:avLst/>
+            </a:prstGeom>
+          </p:spPr>
+          <p:style>
+            <a:lnRef idx="1">
+              <a:schemeClr val="dk1"/>
+            </a:lnRef>
+            <a:fillRef idx="0">
+              <a:schemeClr val="dk1"/>
+            </a:fillRef>
+            <a:effectRef idx="0">
+              <a:schemeClr val="dk1"/>
+            </a:effectRef>
+            <a:fontRef idx="minor">
+              <a:schemeClr val="tx1"/>
+            </a:fontRef>
+          </p:style>
+        </p:cxnSp>
+        <p:cxnSp>
+          <p:nvCxnSpPr>
+            <p:cNvPr id="16" name="Straight Connector 15">
+              <a:extLst>
+                <a:ext uri="{FF2B5EF4-FFF2-40B4-BE49-F238E27FC236}">
+                  <a16:creationId xmlns:a16="http://schemas.microsoft.com/office/drawing/2014/main" id="{2AFCD7D6-3B3C-416C-A870-CCFA998CCD6C}"/>
+                </a:ext>
+              </a:extLst>
+            </p:cNvPr>
+            <p:cNvCxnSpPr>
+              <a:cxnSpLocks/>
+              <a:stCxn id="10" idx="6"/>
+              <a:endCxn id="8" idx="2"/>
+            </p:cNvCxnSpPr>
+            <p:nvPr/>
+          </p:nvCxnSpPr>
+          <p:spPr>
+            <a:xfrm>
+              <a:off x="1872478" y="4576143"/>
+              <a:ext cx="460696" cy="0"/>
+            </a:xfrm>
+            <a:prstGeom prst="line">
+              <a:avLst/>
+            </a:prstGeom>
+          </p:spPr>
+          <p:style>
+            <a:lnRef idx="1">
+              <a:schemeClr val="dk1"/>
+            </a:lnRef>
+            <a:fillRef idx="0">
+              <a:schemeClr val="dk1"/>
+            </a:fillRef>
+            <a:effectRef idx="0">
+              <a:schemeClr val="dk1"/>
+            </a:effectRef>
+            <a:fontRef idx="minor">
+              <a:schemeClr val="tx1"/>
+            </a:fontRef>
+          </p:style>
+        </p:cxnSp>
+        <p:cxnSp>
+          <p:nvCxnSpPr>
+            <p:cNvPr id="17" name="Straight Connector 16">
+              <a:extLst>
+                <a:ext uri="{FF2B5EF4-FFF2-40B4-BE49-F238E27FC236}">
+                  <a16:creationId xmlns:a16="http://schemas.microsoft.com/office/drawing/2014/main" id="{E1CEF6E4-261C-48B3-ADAB-247997BF89E3}"/>
+                </a:ext>
+              </a:extLst>
+            </p:cNvPr>
+            <p:cNvCxnSpPr>
+              <a:cxnSpLocks/>
+            </p:cNvCxnSpPr>
+            <p:nvPr/>
+          </p:nvCxnSpPr>
+          <p:spPr>
+            <a:xfrm>
+              <a:off x="2263391" y="4001705"/>
+              <a:ext cx="299051" cy="345838"/>
+            </a:xfrm>
+            <a:prstGeom prst="line">
+              <a:avLst/>
+            </a:prstGeom>
+          </p:spPr>
+          <p:style>
+            <a:lnRef idx="1">
+              <a:schemeClr val="dk1"/>
+            </a:lnRef>
+            <a:fillRef idx="0">
+              <a:schemeClr val="dk1"/>
+            </a:fillRef>
+            <a:effectRef idx="0">
+              <a:schemeClr val="dk1"/>
+            </a:effectRef>
+            <a:fontRef idx="minor">
+              <a:schemeClr val="tx1"/>
+            </a:fontRef>
+          </p:style>
+        </p:cxnSp>
+        <p:cxnSp>
+          <p:nvCxnSpPr>
+            <p:cNvPr id="18" name="Straight Connector 17">
+              <a:extLst>
+                <a:ext uri="{FF2B5EF4-FFF2-40B4-BE49-F238E27FC236}">
+                  <a16:creationId xmlns:a16="http://schemas.microsoft.com/office/drawing/2014/main" id="{6AE0C78E-BB0E-406A-85C8-FDAB3E35C85F}"/>
+                </a:ext>
+              </a:extLst>
+            </p:cNvPr>
+            <p:cNvCxnSpPr>
+              <a:cxnSpLocks/>
+              <a:stCxn id="8" idx="0"/>
+              <a:endCxn id="13" idx="3"/>
+            </p:cNvCxnSpPr>
+            <p:nvPr/>
+          </p:nvCxnSpPr>
+          <p:spPr>
+            <a:xfrm flipV="1">
+              <a:off x="2561774" y="3997511"/>
+              <a:ext cx="293791" cy="350032"/>
+            </a:xfrm>
+            <a:prstGeom prst="line">
+              <a:avLst/>
+            </a:prstGeom>
+          </p:spPr>
+          <p:style>
+            <a:lnRef idx="1">
+              <a:schemeClr val="dk1"/>
+            </a:lnRef>
+            <a:fillRef idx="0">
+              <a:schemeClr val="dk1"/>
+            </a:fillRef>
+            <a:effectRef idx="0">
+              <a:schemeClr val="dk1"/>
+            </a:effectRef>
+            <a:fontRef idx="minor">
+              <a:schemeClr val="tx1"/>
+            </a:fontRef>
+          </p:style>
+        </p:cxnSp>
+        <p:cxnSp>
+          <p:nvCxnSpPr>
+            <p:cNvPr id="19" name="Straight Connector 18">
+              <a:extLst>
+                <a:ext uri="{FF2B5EF4-FFF2-40B4-BE49-F238E27FC236}">
+                  <a16:creationId xmlns:a16="http://schemas.microsoft.com/office/drawing/2014/main" id="{87BA9E18-7F55-4F7F-850F-E4933A147671}"/>
+                </a:ext>
+              </a:extLst>
+            </p:cNvPr>
+            <p:cNvCxnSpPr>
+              <a:cxnSpLocks/>
+              <a:stCxn id="8" idx="4"/>
+              <a:endCxn id="9" idx="1"/>
+            </p:cNvCxnSpPr>
+            <p:nvPr/>
+          </p:nvCxnSpPr>
+          <p:spPr>
+            <a:xfrm>
+              <a:off x="2561774" y="4804743"/>
+              <a:ext cx="293791" cy="345838"/>
+            </a:xfrm>
+            <a:prstGeom prst="line">
+              <a:avLst/>
+            </a:prstGeom>
+          </p:spPr>
+          <p:style>
+            <a:lnRef idx="1">
+              <a:schemeClr val="dk1"/>
+            </a:lnRef>
+            <a:fillRef idx="0">
+              <a:schemeClr val="dk1"/>
+            </a:fillRef>
+            <a:effectRef idx="0">
+              <a:schemeClr val="dk1"/>
+            </a:effectRef>
+            <a:fontRef idx="minor">
+              <a:schemeClr val="tx1"/>
+            </a:fontRef>
+          </p:style>
+        </p:cxnSp>
+        <p:sp>
+          <p:nvSpPr>
+            <p:cNvPr id="20" name="TextBox 19">
+              <a:extLst>
+                <a:ext uri="{FF2B5EF4-FFF2-40B4-BE49-F238E27FC236}">
+                  <a16:creationId xmlns:a16="http://schemas.microsoft.com/office/drawing/2014/main" id="{F52EFAD1-051D-49AB-90DB-7225966BA7F0}"/>
+                </a:ext>
+              </a:extLst>
+            </p:cNvPr>
+            <p:cNvSpPr txBox="1"/>
+            <p:nvPr/>
+          </p:nvSpPr>
+          <p:spPr>
+            <a:xfrm flipH="1">
+              <a:off x="3332254" y="3488767"/>
+              <a:ext cx="1440956" cy="2308324"/>
+            </a:xfrm>
+            <a:prstGeom prst="rect">
+              <a:avLst/>
+            </a:prstGeom>
+            <a:noFill/>
+          </p:spPr>
+          <p:txBody>
+            <a:bodyPr wrap="square" rtlCol="0">
+              <a:spAutoFit/>
+            </a:bodyPr>
+            <a:lstStyle/>
+            <a:p>
+              <a:r>
+                <a:rPr lang="en-US" dirty="0">
+                  <a:latin typeface="Times New Roman" panose="02020603050405020304" pitchFamily="18" charset="0"/>
+                  <a:cs typeface="Times New Roman" panose="02020603050405020304" pitchFamily="18" charset="0"/>
+                </a:rPr>
+                <a:t>A: B, C</a:t>
+              </a:r>
+            </a:p>
+            <a:p>
+              <a:r>
+                <a:rPr lang="en-US" dirty="0">
+                  <a:latin typeface="Times New Roman" panose="02020603050405020304" pitchFamily="18" charset="0"/>
+                  <a:cs typeface="Times New Roman" panose="02020603050405020304" pitchFamily="18" charset="0"/>
+                </a:rPr>
+                <a:t>B: A</a:t>
+              </a:r>
+            </a:p>
+            <a:p>
+              <a:r>
+                <a:rPr lang="en-US" dirty="0">
+                  <a:latin typeface="Times New Roman" panose="02020603050405020304" pitchFamily="18" charset="0"/>
+                  <a:cs typeface="Times New Roman" panose="02020603050405020304" pitchFamily="18" charset="0"/>
+                </a:rPr>
+                <a:t>C: A</a:t>
+              </a:r>
+            </a:p>
+            <a:p>
+              <a:r>
+                <a:rPr lang="en-US" dirty="0">
+                  <a:latin typeface="Times New Roman" panose="02020603050405020304" pitchFamily="18" charset="0"/>
+                  <a:cs typeface="Times New Roman" panose="02020603050405020304" pitchFamily="18" charset="0"/>
+                </a:rPr>
+                <a:t>D: F</a:t>
+              </a:r>
+            </a:p>
+            <a:p>
+              <a:r>
+                <a:rPr lang="en-US" dirty="0">
+                  <a:latin typeface="Times New Roman" panose="02020603050405020304" pitchFamily="18" charset="0"/>
+                  <a:cs typeface="Times New Roman" panose="02020603050405020304" pitchFamily="18" charset="0"/>
+                </a:rPr>
+                <a:t>E: F</a:t>
+              </a:r>
+            </a:p>
+            <a:p>
+              <a:r>
+                <a:rPr lang="en-US" dirty="0">
+                  <a:latin typeface="Times New Roman" panose="02020603050405020304" pitchFamily="18" charset="0"/>
+                  <a:cs typeface="Times New Roman" panose="02020603050405020304" pitchFamily="18" charset="0"/>
+                </a:rPr>
+                <a:t>F: C, D, E, G</a:t>
+              </a:r>
+            </a:p>
+            <a:p>
+              <a:r>
+                <a:rPr lang="en-US" dirty="0">
+                  <a:latin typeface="Times New Roman" panose="02020603050405020304" pitchFamily="18" charset="0"/>
+                  <a:cs typeface="Times New Roman" panose="02020603050405020304" pitchFamily="18" charset="0"/>
+                </a:rPr>
+                <a:t>G: F</a:t>
+              </a:r>
+            </a:p>
+            <a:p>
+              <a:endParaRPr lang="en-US" dirty="0">
+                <a:latin typeface="Times New Roman" panose="02020603050405020304" pitchFamily="18" charset="0"/>
+                <a:cs typeface="Times New Roman" panose="02020603050405020304" pitchFamily="18" charset="0"/>
+              </a:endParaRPr>
+            </a:p>
+          </p:txBody>
+        </p:sp>
+        <p:sp>
+          <p:nvSpPr>
+            <p:cNvPr id="21" name="TextBox 20">
+              <a:extLst>
+                <a:ext uri="{FF2B5EF4-FFF2-40B4-BE49-F238E27FC236}">
+                  <a16:creationId xmlns:a16="http://schemas.microsoft.com/office/drawing/2014/main" id="{00076F50-255F-4577-A1F6-8F588FD26D04}"/>
+                </a:ext>
+              </a:extLst>
+            </p:cNvPr>
+            <p:cNvSpPr txBox="1"/>
+            <p:nvPr/>
+          </p:nvSpPr>
+          <p:spPr>
+            <a:xfrm>
+              <a:off x="853580" y="3111046"/>
+              <a:ext cx="1476098" cy="369332"/>
+            </a:xfrm>
+            <a:prstGeom prst="rect">
+              <a:avLst/>
+            </a:prstGeom>
+            <a:noFill/>
+          </p:spPr>
+          <p:txBody>
+            <a:bodyPr wrap="square" rtlCol="0">
+              <a:spAutoFit/>
+            </a:bodyPr>
+            <a:lstStyle/>
+            <a:p>
+              <a:r>
+                <a:rPr lang="en-US" dirty="0">
+                  <a:latin typeface="Times New Roman" panose="02020603050405020304" pitchFamily="18" charset="0"/>
+                  <a:cs typeface="Times New Roman" panose="02020603050405020304" pitchFamily="18" charset="0"/>
+                </a:rPr>
+                <a:t>Graph G:</a:t>
+              </a:r>
+            </a:p>
+          </p:txBody>
+        </p:sp>
+      </p:grpSp>
+    </p:spTree>
+    <p:extLst>
+      <p:ext uri="{BB962C8B-B14F-4D97-AF65-F5344CB8AC3E}">
+        <p14:creationId xmlns:p14="http://schemas.microsoft.com/office/powerpoint/2010/main" val="771035394"/>
+      </p:ext>
+    </p:extLst>
+  </p:cSld>
+  <p:clrMapOvr>
+    <a:masterClrMapping/>
+  </p:clrMapOvr>
+</p:sld>
+</file>
+
+<file path=ppt/slides/slide4.xml><?xml version="1.0" encoding="utf-8"?>
+<p:sld xmlns:a="http://schemas.openxmlformats.org/drawingml/2006/main" xmlns:r="http://schemas.openxmlformats.org/officeDocument/2006/relationships" xmlns:p="http://schemas.openxmlformats.org/presentationml/2006/main">
+  <p:cSld>
+    <p:spTree>
+      <p:nvGrpSpPr>
+        <p:cNvPr id="1" name=""/>
+        <p:cNvGrpSpPr/>
+        <p:nvPr/>
+      </p:nvGrpSpPr>
+      <p:grpSpPr>
+        <a:xfrm>
+          <a:off x="0" y="0"/>
+          <a:ext cx="0" cy="0"/>
+          <a:chOff x="0" y="0"/>
+          <a:chExt cx="0" cy="0"/>
+        </a:xfrm>
+      </p:grpSpPr>
+      <p:sp>
+        <p:nvSpPr>
+          <p:cNvPr id="2" name="Title 1">
+            <a:extLst>
+              <a:ext uri="{FF2B5EF4-FFF2-40B4-BE49-F238E27FC236}">
+                <a16:creationId xmlns:a16="http://schemas.microsoft.com/office/drawing/2014/main" id="{9BFCD1E8-2D14-4D98-A258-D1A9814A7E3E}"/>
+              </a:ext>
+            </a:extLst>
+          </p:cNvPr>
+          <p:cNvSpPr>
+            <a:spLocks noGrp="1"/>
+          </p:cNvSpPr>
+          <p:nvPr>
+            <p:ph type="title"/>
+          </p:nvPr>
+        </p:nvSpPr>
+        <p:spPr/>
+        <p:txBody>
+          <a:bodyPr/>
+          <a:lstStyle/>
+          <a:p>
+            <a:r>
+              <a:rPr lang="en-US" dirty="0"/>
+              <a:t>Certifier</a:t>
+            </a:r>
+          </a:p>
+        </p:txBody>
+      </p:sp>
+      <p:sp>
+        <p:nvSpPr>
+          <p:cNvPr id="3" name="Content Placeholder 2">
+            <a:extLst>
+              <a:ext uri="{FF2B5EF4-FFF2-40B4-BE49-F238E27FC236}">
+                <a16:creationId xmlns:a16="http://schemas.microsoft.com/office/drawing/2014/main" id="{B6D9928E-BFC9-4073-AE94-8A8C9DD23685}"/>
+              </a:ext>
+            </a:extLst>
+          </p:cNvPr>
+          <p:cNvSpPr>
+            <a:spLocks noGrp="1"/>
+          </p:cNvSpPr>
+          <p:nvPr>
+            <p:ph idx="1"/>
+          </p:nvPr>
+        </p:nvSpPr>
+        <p:spPr/>
+        <p:txBody>
+          <a:bodyPr>
+            <a:normAutofit fontScale="92500" lnSpcReduction="20000"/>
+          </a:bodyPr>
+          <a:lstStyle/>
+          <a:p>
+            <a:pPr marL="0" indent="0">
+              <a:buNone/>
+            </a:pPr>
+            <a:r>
+              <a:rPr lang="en-US" dirty="0"/>
+              <a:t>Certifier: Check |S| &lt;= k and that for every edge at least one endpoint is in S</a:t>
+            </a:r>
+          </a:p>
+          <a:p>
+            <a:pPr marL="0" indent="0">
+              <a:buNone/>
+            </a:pPr>
+            <a:r>
+              <a:rPr lang="en-US" dirty="0"/>
+              <a:t>pseudocode:</a:t>
+            </a:r>
+          </a:p>
+          <a:p>
+            <a:pPr marL="0" indent="0">
+              <a:buNone/>
+            </a:pPr>
+            <a:r>
+              <a:rPr lang="en-US" dirty="0"/>
+              <a:t>	if size(S) &lt;= k</a:t>
+            </a:r>
+          </a:p>
+          <a:p>
+            <a:pPr marL="0" indent="0">
+              <a:buNone/>
+            </a:pPr>
+            <a:r>
+              <a:rPr lang="en-US" dirty="0"/>
+              <a:t>		return false</a:t>
+            </a:r>
+          </a:p>
+          <a:p>
+            <a:pPr marL="0" indent="0">
+              <a:buNone/>
+            </a:pPr>
+            <a:r>
+              <a:rPr lang="en-US" dirty="0"/>
+              <a:t>	for edge(u, v) in graph G</a:t>
+            </a:r>
+          </a:p>
+          <a:p>
+            <a:pPr marL="0" indent="0">
+              <a:buNone/>
+            </a:pPr>
+            <a:r>
+              <a:rPr lang="en-US" dirty="0"/>
+              <a:t>		if u not in S and v not in S</a:t>
+            </a:r>
+          </a:p>
+          <a:p>
+            <a:pPr marL="0" indent="0">
+              <a:buNone/>
+            </a:pPr>
+            <a:r>
+              <a:rPr lang="en-US" dirty="0"/>
+              <a:t>			return false</a:t>
+            </a:r>
+          </a:p>
+          <a:p>
+            <a:pPr marL="0" indent="0">
+              <a:buNone/>
+            </a:pPr>
+            <a:r>
+              <a:rPr lang="en-US" dirty="0"/>
+              <a:t>	</a:t>
+            </a:r>
+          </a:p>
+          <a:p>
+            <a:pPr marL="0" indent="0">
+              <a:buNone/>
+            </a:pPr>
+            <a:r>
+              <a:rPr lang="en-US" dirty="0"/>
+              <a:t>complexity: O(2E + 1) </a:t>
+            </a:r>
+            <a:r>
+              <a:rPr lang="en-US" dirty="0">
+                <a:latin typeface="MS Gothic" panose="020B0609070205080204" pitchFamily="49" charset="-128"/>
+                <a:ea typeface="MS Gothic" panose="020B0609070205080204" pitchFamily="49" charset="-128"/>
+              </a:rPr>
+              <a:t>→</a:t>
+            </a:r>
+            <a:r>
+              <a:rPr lang="en-US" dirty="0"/>
+              <a:t> O(E)</a:t>
+            </a:r>
+          </a:p>
+          <a:p>
+            <a:pPr marL="0" indent="0">
+              <a:buNone/>
+            </a:pPr>
+            <a:r>
+              <a:rPr lang="en-US" dirty="0"/>
+              <a:t>		</a:t>
+            </a:r>
+          </a:p>
+        </p:txBody>
+      </p:sp>
+    </p:spTree>
+    <p:extLst>
+      <p:ext uri="{BB962C8B-B14F-4D97-AF65-F5344CB8AC3E}">
+        <p14:creationId xmlns:p14="http://schemas.microsoft.com/office/powerpoint/2010/main" val="575229298"/>
+      </p:ext>
+    </p:extLst>
+  </p:cSld>
+  <p:clrMapOvr>
+    <a:masterClrMapping/>
+  </p:clrMapOvr>
+</p:sld>
+</file>
+
+<file path=ppt/slides/slide5.xml><?xml version="1.0" encoding="utf-8"?>
+<p:sld xmlns:a="http://schemas.openxmlformats.org/drawingml/2006/main" xmlns:r="http://schemas.openxmlformats.org/officeDocument/2006/relationships" xmlns:p="http://schemas.openxmlformats.org/presentationml/2006/main">
+  <p:cSld>
+    <p:spTree>
+      <p:nvGrpSpPr>
+        <p:cNvPr id="1" name=""/>
+        <p:cNvGrpSpPr/>
+        <p:nvPr/>
+      </p:nvGrpSpPr>
+      <p:grpSpPr>
+        <a:xfrm>
+          <a:off x="0" y="0"/>
+          <a:ext cx="0" cy="0"/>
+          <a:chOff x="0" y="0"/>
+          <a:chExt cx="0" cy="0"/>
+        </a:xfrm>
+      </p:grpSpPr>
+      <p:sp>
+        <p:nvSpPr>
+          <p:cNvPr id="2" name="Title 1">
+            <a:extLst>
+              <a:ext uri="{FF2B5EF4-FFF2-40B4-BE49-F238E27FC236}">
+                <a16:creationId xmlns:a16="http://schemas.microsoft.com/office/drawing/2014/main" id="{80E26220-B05B-4A39-98D4-79D04F15D46A}"/>
+              </a:ext>
+            </a:extLst>
+          </p:cNvPr>
+          <p:cNvSpPr>
+            <a:spLocks noGrp="1"/>
+          </p:cNvSpPr>
+          <p:nvPr>
+            <p:ph type="title"/>
+          </p:nvPr>
+        </p:nvSpPr>
+        <p:spPr/>
+        <p:txBody>
+          <a:bodyPr/>
+          <a:lstStyle/>
+          <a:p>
+            <a:r>
+              <a:rPr lang="en-US" dirty="0"/>
+              <a:t>Reduction</a:t>
+            </a:r>
+          </a:p>
+        </p:txBody>
+      </p:sp>
+      <p:sp>
+        <p:nvSpPr>
+          <p:cNvPr id="3" name="Content Placeholder 2">
+            <a:extLst>
+              <a:ext uri="{FF2B5EF4-FFF2-40B4-BE49-F238E27FC236}">
+                <a16:creationId xmlns:a16="http://schemas.microsoft.com/office/drawing/2014/main" id="{44FB1427-9430-4E23-B527-2BF34BD87FC3}"/>
+              </a:ext>
+            </a:extLst>
+          </p:cNvPr>
+          <p:cNvSpPr>
+            <a:spLocks noGrp="1"/>
+          </p:cNvSpPr>
+          <p:nvPr>
+            <p:ph idx="1"/>
+          </p:nvPr>
+        </p:nvSpPr>
+        <p:spPr>
+          <a:xfrm>
+            <a:off x="838200" y="1826224"/>
+            <a:ext cx="10515600" cy="4351338"/>
+          </a:xfrm>
+        </p:spPr>
+        <p:txBody>
+          <a:bodyPr>
+            <a:normAutofit/>
+          </a:bodyPr>
+          <a:lstStyle/>
+          <a:p>
+            <a:pPr marL="0" indent="0">
+              <a:buNone/>
+            </a:pPr>
+            <a:r>
+              <a:rPr lang="en-US" dirty="0"/>
+              <a:t>Vertex Cover ≤</a:t>
+            </a:r>
+            <a:r>
+              <a:rPr lang="en-US" baseline="-25000" dirty="0"/>
+              <a:t>P </a:t>
+            </a:r>
+            <a:r>
+              <a:rPr lang="en-US" dirty="0"/>
+              <a:t>Set Cover</a:t>
+            </a:r>
+          </a:p>
+          <a:p>
+            <a:pPr marL="0" indent="0">
+              <a:buNone/>
+            </a:pPr>
+            <a:r>
+              <a:rPr lang="en-US" dirty="0"/>
+              <a:t>Set Cover: Given a set U of elements, a collection S</a:t>
+            </a:r>
+            <a:r>
+              <a:rPr lang="en-US" baseline="-25000" dirty="0"/>
+              <a:t>1</a:t>
+            </a:r>
+            <a:r>
+              <a:rPr lang="en-US" dirty="0"/>
+              <a:t>, S</a:t>
+            </a:r>
+            <a:r>
+              <a:rPr lang="en-US" baseline="-25000" dirty="0"/>
+              <a:t>2</a:t>
+            </a:r>
+            <a:r>
+              <a:rPr lang="en-US" dirty="0"/>
+              <a:t>, …, S</a:t>
+            </a:r>
+            <a:r>
+              <a:rPr lang="en-US" baseline="-25000" dirty="0"/>
+              <a:t>n</a:t>
+            </a:r>
+            <a:r>
+              <a:rPr lang="en-US" dirty="0"/>
+              <a:t>, of subsets of U, and an integer k, does there exist a collection of at most k of these sets whose union is equal to U?</a:t>
+            </a:r>
+          </a:p>
+        </p:txBody>
+      </p:sp>
+      <p:grpSp>
+        <p:nvGrpSpPr>
+          <p:cNvPr id="47" name="Group 46">
+            <a:extLst>
+              <a:ext uri="{FF2B5EF4-FFF2-40B4-BE49-F238E27FC236}">
+                <a16:creationId xmlns:a16="http://schemas.microsoft.com/office/drawing/2014/main" id="{7EF89CD3-2F05-464D-8247-009AB5F098D0}"/>
+              </a:ext>
+            </a:extLst>
+          </p:cNvPr>
+          <p:cNvGrpSpPr/>
+          <p:nvPr/>
+        </p:nvGrpSpPr>
+        <p:grpSpPr>
+          <a:xfrm>
+            <a:off x="838200" y="3747782"/>
+            <a:ext cx="10075208" cy="3600986"/>
+            <a:chOff x="838200" y="3747782"/>
+            <a:chExt cx="10075208" cy="3600986"/>
+          </a:xfrm>
+        </p:grpSpPr>
+        <p:grpSp>
+          <p:nvGrpSpPr>
+            <p:cNvPr id="20" name="Group 19">
+              <a:extLst>
+                <a:ext uri="{FF2B5EF4-FFF2-40B4-BE49-F238E27FC236}">
+                  <a16:creationId xmlns:a16="http://schemas.microsoft.com/office/drawing/2014/main" id="{3210D475-6F7C-4919-AED4-8EE0079F5BCF}"/>
+                </a:ext>
+              </a:extLst>
+            </p:cNvPr>
+            <p:cNvGrpSpPr/>
+            <p:nvPr/>
+          </p:nvGrpSpPr>
+          <p:grpSpPr>
+            <a:xfrm>
+              <a:off x="838200" y="3747782"/>
+              <a:ext cx="3900122" cy="2686045"/>
+              <a:chOff x="853580" y="3111046"/>
+              <a:chExt cx="3900122" cy="2686045"/>
+            </a:xfrm>
+          </p:grpSpPr>
+          <p:sp>
+            <p:nvSpPr>
+              <p:cNvPr id="21" name="Oval 20">
+                <a:extLst>
+                  <a:ext uri="{FF2B5EF4-FFF2-40B4-BE49-F238E27FC236}">
+                    <a16:creationId xmlns:a16="http://schemas.microsoft.com/office/drawing/2014/main" id="{14067E75-A865-4888-B19D-2AD73FF08ADD}"/>
+                  </a:ext>
+                </a:extLst>
+              </p:cNvPr>
+              <p:cNvSpPr/>
+              <p:nvPr/>
+            </p:nvSpPr>
+            <p:spPr>
+              <a:xfrm>
+                <a:off x="956346" y="3607266"/>
+                <a:ext cx="457200" cy="457200"/>
+              </a:xfrm>
+              <a:prstGeom prst="ellipse">
+                <a:avLst/>
+              </a:prstGeom>
+            </p:spPr>
+            <p:style>
+              <a:lnRef idx="2">
+                <a:schemeClr val="accent2">
+                  <a:shade val="50000"/>
+                </a:schemeClr>
+              </a:lnRef>
+              <a:fillRef idx="1">
+                <a:schemeClr val="accent2"/>
+              </a:fillRef>
+              <a:effectRef idx="0">
+                <a:schemeClr val="accent2"/>
+              </a:effectRef>
+              <a:fontRef idx="minor">
+                <a:schemeClr val="lt1"/>
+              </a:fontRef>
+            </p:style>
+            <p:txBody>
+              <a:bodyPr rtlCol="0" anchor="ctr"/>
+              <a:lstStyle/>
+              <a:p>
+                <a:pPr algn="ctr"/>
+                <a:r>
+                  <a:rPr lang="en-US" dirty="0">
+                    <a:latin typeface="Times New Roman" panose="02020603050405020304" pitchFamily="18" charset="0"/>
+                    <a:cs typeface="Times New Roman" panose="02020603050405020304" pitchFamily="18" charset="0"/>
+                  </a:rPr>
+                  <a:t>A</a:t>
+                </a:r>
+              </a:p>
+            </p:txBody>
+          </p:sp>
+          <p:sp>
+            <p:nvSpPr>
+              <p:cNvPr id="22" name="Oval 21">
+                <a:extLst>
+                  <a:ext uri="{FF2B5EF4-FFF2-40B4-BE49-F238E27FC236}">
+                    <a16:creationId xmlns:a16="http://schemas.microsoft.com/office/drawing/2014/main" id="{B017C5AA-DEBA-47A8-BFCD-F569E543A21E}"/>
+                  </a:ext>
+                </a:extLst>
+              </p:cNvPr>
+              <p:cNvSpPr/>
+              <p:nvPr/>
+            </p:nvSpPr>
+            <p:spPr>
+              <a:xfrm>
+                <a:off x="2333174" y="4347543"/>
+                <a:ext cx="457200" cy="457200"/>
+              </a:xfrm>
+              <a:prstGeom prst="ellipse">
+                <a:avLst/>
+              </a:prstGeom>
+            </p:spPr>
+            <p:style>
+              <a:lnRef idx="2">
+                <a:schemeClr val="accent2">
+                  <a:shade val="50000"/>
+                </a:schemeClr>
+              </a:lnRef>
+              <a:fillRef idx="1">
+                <a:schemeClr val="accent2"/>
+              </a:fillRef>
+              <a:effectRef idx="0">
+                <a:schemeClr val="accent2"/>
+              </a:effectRef>
+              <a:fontRef idx="minor">
+                <a:schemeClr val="lt1"/>
+              </a:fontRef>
+            </p:style>
+            <p:txBody>
+              <a:bodyPr rtlCol="0" anchor="ctr"/>
+              <a:lstStyle/>
+              <a:p>
+                <a:pPr algn="ctr"/>
+                <a:r>
+                  <a:rPr lang="en-US" dirty="0">
+                    <a:latin typeface="Times New Roman" panose="02020603050405020304" pitchFamily="18" charset="0"/>
+                    <a:cs typeface="Times New Roman" panose="02020603050405020304" pitchFamily="18" charset="0"/>
+                  </a:rPr>
+                  <a:t>F</a:t>
+                </a:r>
+              </a:p>
+            </p:txBody>
+          </p:sp>
+          <p:sp>
+            <p:nvSpPr>
+              <p:cNvPr id="23" name="Oval 22">
+                <a:extLst>
+                  <a:ext uri="{FF2B5EF4-FFF2-40B4-BE49-F238E27FC236}">
+                    <a16:creationId xmlns:a16="http://schemas.microsoft.com/office/drawing/2014/main" id="{538CACC4-2698-43E1-91BB-8E44883B6855}"/>
+                  </a:ext>
+                </a:extLst>
+              </p:cNvPr>
+              <p:cNvSpPr/>
+              <p:nvPr/>
+            </p:nvSpPr>
+            <p:spPr>
+              <a:xfrm>
+                <a:off x="2788610" y="5083626"/>
+                <a:ext cx="457200" cy="457200"/>
+              </a:xfrm>
+              <a:prstGeom prst="ellipse">
+                <a:avLst/>
+              </a:prstGeom>
+            </p:spPr>
+            <p:style>
+              <a:lnRef idx="2">
+                <a:schemeClr val="dk1">
+                  <a:shade val="50000"/>
+                </a:schemeClr>
+              </a:lnRef>
+              <a:fillRef idx="1">
+                <a:schemeClr val="dk1"/>
+              </a:fillRef>
+              <a:effectRef idx="0">
+                <a:schemeClr val="dk1"/>
+              </a:effectRef>
+              <a:fontRef idx="minor">
+                <a:schemeClr val="lt1"/>
+              </a:fontRef>
+            </p:style>
+            <p:txBody>
+              <a:bodyPr rtlCol="0" anchor="ctr"/>
+              <a:lstStyle/>
+              <a:p>
+                <a:pPr algn="ctr"/>
+                <a:r>
+                  <a:rPr lang="en-US" dirty="0">
+                    <a:latin typeface="Times New Roman" panose="02020603050405020304" pitchFamily="18" charset="0"/>
+                    <a:cs typeface="Times New Roman" panose="02020603050405020304" pitchFamily="18" charset="0"/>
+                  </a:rPr>
+                  <a:t>G</a:t>
+                </a:r>
+              </a:p>
+            </p:txBody>
+          </p:sp>
+          <p:sp>
+            <p:nvSpPr>
+              <p:cNvPr id="24" name="Oval 23">
+                <a:extLst>
+                  <a:ext uri="{FF2B5EF4-FFF2-40B4-BE49-F238E27FC236}">
+                    <a16:creationId xmlns:a16="http://schemas.microsoft.com/office/drawing/2014/main" id="{CF4AB872-8F9A-45DE-8F90-AFFB2636E8E2}"/>
+                  </a:ext>
+                </a:extLst>
+              </p:cNvPr>
+              <p:cNvSpPr/>
+              <p:nvPr/>
+            </p:nvSpPr>
+            <p:spPr>
+              <a:xfrm>
+                <a:off x="1415278" y="4347543"/>
+                <a:ext cx="457200" cy="457200"/>
+              </a:xfrm>
+              <a:prstGeom prst="ellipse">
+                <a:avLst/>
+              </a:prstGeom>
+            </p:spPr>
+            <p:style>
+              <a:lnRef idx="2">
+                <a:schemeClr val="dk1">
+                  <a:shade val="50000"/>
+                </a:schemeClr>
+              </a:lnRef>
+              <a:fillRef idx="1">
+                <a:schemeClr val="dk1"/>
+              </a:fillRef>
+              <a:effectRef idx="0">
+                <a:schemeClr val="dk1"/>
+              </a:effectRef>
+              <a:fontRef idx="minor">
+                <a:schemeClr val="lt1"/>
+              </a:fontRef>
+            </p:style>
+            <p:txBody>
+              <a:bodyPr rtlCol="0" anchor="ctr"/>
+              <a:lstStyle/>
+              <a:p>
+                <a:pPr algn="ctr"/>
+                <a:r>
+                  <a:rPr lang="en-US" dirty="0">
+                    <a:latin typeface="Times New Roman" panose="02020603050405020304" pitchFamily="18" charset="0"/>
+                    <a:cs typeface="Times New Roman" panose="02020603050405020304" pitchFamily="18" charset="0"/>
+                  </a:rPr>
+                  <a:t>C</a:t>
+                </a:r>
+              </a:p>
+            </p:txBody>
+          </p:sp>
+          <p:sp>
+            <p:nvSpPr>
+              <p:cNvPr id="25" name="Oval 24">
+                <a:extLst>
+                  <a:ext uri="{FF2B5EF4-FFF2-40B4-BE49-F238E27FC236}">
+                    <a16:creationId xmlns:a16="http://schemas.microsoft.com/office/drawing/2014/main" id="{C198E78F-CBB0-4F75-9AAD-3C3853AAE612}"/>
+                  </a:ext>
+                </a:extLst>
+              </p:cNvPr>
+              <p:cNvSpPr/>
+              <p:nvPr/>
+            </p:nvSpPr>
+            <p:spPr>
+              <a:xfrm>
+                <a:off x="1872478" y="3611460"/>
+                <a:ext cx="457200" cy="457200"/>
+              </a:xfrm>
+              <a:prstGeom prst="ellipse">
+                <a:avLst/>
+              </a:prstGeom>
+            </p:spPr>
+            <p:style>
+              <a:lnRef idx="2">
+                <a:schemeClr val="dk1">
+                  <a:shade val="50000"/>
+                </a:schemeClr>
+              </a:lnRef>
+              <a:fillRef idx="1">
+                <a:schemeClr val="dk1"/>
+              </a:fillRef>
+              <a:effectRef idx="0">
+                <a:schemeClr val="dk1"/>
+              </a:effectRef>
+              <a:fontRef idx="minor">
+                <a:schemeClr val="lt1"/>
+              </a:fontRef>
+            </p:style>
+            <p:txBody>
+              <a:bodyPr rtlCol="0" anchor="ctr"/>
+              <a:lstStyle/>
+              <a:p>
+                <a:pPr algn="ctr"/>
+                <a:r>
+                  <a:rPr lang="en-US" dirty="0">
+                    <a:latin typeface="Times New Roman" panose="02020603050405020304" pitchFamily="18" charset="0"/>
+                    <a:cs typeface="Times New Roman" panose="02020603050405020304" pitchFamily="18" charset="0"/>
+                  </a:rPr>
+                  <a:t>D</a:t>
+                </a:r>
+              </a:p>
+            </p:txBody>
+          </p:sp>
+          <p:sp>
+            <p:nvSpPr>
+              <p:cNvPr id="26" name="Oval 25">
+                <a:extLst>
+                  <a:ext uri="{FF2B5EF4-FFF2-40B4-BE49-F238E27FC236}">
+                    <a16:creationId xmlns:a16="http://schemas.microsoft.com/office/drawing/2014/main" id="{7843E596-5F2D-4FC0-858D-DBF5C866BBEA}"/>
+                  </a:ext>
+                </a:extLst>
+              </p:cNvPr>
+              <p:cNvSpPr/>
+              <p:nvPr/>
+            </p:nvSpPr>
+            <p:spPr>
+              <a:xfrm>
+                <a:off x="956346" y="5083626"/>
+                <a:ext cx="457200" cy="457200"/>
+              </a:xfrm>
+              <a:prstGeom prst="ellipse">
+                <a:avLst/>
+              </a:prstGeom>
+            </p:spPr>
+            <p:style>
+              <a:lnRef idx="2">
+                <a:schemeClr val="dk1">
+                  <a:shade val="50000"/>
+                </a:schemeClr>
+              </a:lnRef>
+              <a:fillRef idx="1">
+                <a:schemeClr val="dk1"/>
+              </a:fillRef>
+              <a:effectRef idx="0">
+                <a:schemeClr val="dk1"/>
+              </a:effectRef>
+              <a:fontRef idx="minor">
+                <a:schemeClr val="lt1"/>
+              </a:fontRef>
+            </p:style>
+            <p:txBody>
+              <a:bodyPr rtlCol="0" anchor="ctr"/>
+              <a:lstStyle/>
+              <a:p>
+                <a:pPr algn="ctr"/>
+                <a:r>
+                  <a:rPr lang="en-US" dirty="0">
+                    <a:latin typeface="Times New Roman" panose="02020603050405020304" pitchFamily="18" charset="0"/>
+                    <a:cs typeface="Times New Roman" panose="02020603050405020304" pitchFamily="18" charset="0"/>
+                  </a:rPr>
+                  <a:t>B</a:t>
+                </a:r>
+              </a:p>
+            </p:txBody>
+          </p:sp>
+          <p:sp>
+            <p:nvSpPr>
+              <p:cNvPr id="27" name="Oval 26">
+                <a:extLst>
+                  <a:ext uri="{FF2B5EF4-FFF2-40B4-BE49-F238E27FC236}">
+                    <a16:creationId xmlns:a16="http://schemas.microsoft.com/office/drawing/2014/main" id="{B93F19A7-B162-4315-83F7-4CBC041C4D22}"/>
+                  </a:ext>
+                </a:extLst>
+              </p:cNvPr>
+              <p:cNvSpPr/>
+              <p:nvPr/>
+            </p:nvSpPr>
+            <p:spPr>
+              <a:xfrm>
+                <a:off x="2788610" y="3607266"/>
+                <a:ext cx="457200" cy="457200"/>
+              </a:xfrm>
+              <a:prstGeom prst="ellipse">
+                <a:avLst/>
+              </a:prstGeom>
+            </p:spPr>
+            <p:style>
+              <a:lnRef idx="2">
+                <a:schemeClr val="dk1">
+                  <a:shade val="50000"/>
+                </a:schemeClr>
+              </a:lnRef>
+              <a:fillRef idx="1">
+                <a:schemeClr val="dk1"/>
+              </a:fillRef>
+              <a:effectRef idx="0">
+                <a:schemeClr val="dk1"/>
+              </a:effectRef>
+              <a:fontRef idx="minor">
+                <a:schemeClr val="lt1"/>
+              </a:fontRef>
+            </p:style>
+            <p:txBody>
+              <a:bodyPr rtlCol="0" anchor="ctr"/>
+              <a:lstStyle/>
+              <a:p>
+                <a:pPr algn="ctr"/>
+                <a:r>
+                  <a:rPr lang="en-US" dirty="0">
+                    <a:latin typeface="Times New Roman" panose="02020603050405020304" pitchFamily="18" charset="0"/>
+                    <a:cs typeface="Times New Roman" panose="02020603050405020304" pitchFamily="18" charset="0"/>
+                  </a:rPr>
+                  <a:t>E</a:t>
+                </a:r>
+              </a:p>
+            </p:txBody>
+          </p:sp>
+          <p:cxnSp>
+            <p:nvCxnSpPr>
+              <p:cNvPr id="28" name="Straight Connector 27">
+                <a:extLst>
+                  <a:ext uri="{FF2B5EF4-FFF2-40B4-BE49-F238E27FC236}">
+                    <a16:creationId xmlns:a16="http://schemas.microsoft.com/office/drawing/2014/main" id="{FE6CA4E1-84C6-44B1-8BB5-8A111D8A86FD}"/>
+                  </a:ext>
+                </a:extLst>
+              </p:cNvPr>
+              <p:cNvCxnSpPr>
+                <a:cxnSpLocks/>
+                <a:stCxn id="21" idx="4"/>
+                <a:endCxn id="26" idx="0"/>
+              </p:cNvCxnSpPr>
+              <p:nvPr/>
+            </p:nvCxnSpPr>
+            <p:spPr>
+              <a:xfrm>
+                <a:off x="1184946" y="4064466"/>
+                <a:ext cx="0" cy="1019160"/>
+              </a:xfrm>
+              <a:prstGeom prst="line">
+                <a:avLst/>
+              </a:prstGeom>
+            </p:spPr>
+            <p:style>
+              <a:lnRef idx="1">
+                <a:schemeClr val="dk1"/>
+              </a:lnRef>
+              <a:fillRef idx="0">
+                <a:schemeClr val="dk1"/>
+              </a:fillRef>
+              <a:effectRef idx="0">
+                <a:schemeClr val="dk1"/>
+              </a:effectRef>
+              <a:fontRef idx="minor">
+                <a:schemeClr val="tx1"/>
+              </a:fontRef>
+            </p:style>
+          </p:cxnSp>
+          <p:cxnSp>
+            <p:nvCxnSpPr>
+              <p:cNvPr id="29" name="Straight Connector 28">
+                <a:extLst>
+                  <a:ext uri="{FF2B5EF4-FFF2-40B4-BE49-F238E27FC236}">
+                    <a16:creationId xmlns:a16="http://schemas.microsoft.com/office/drawing/2014/main" id="{B00C1214-8D40-43B3-9879-A9F08B7F927A}"/>
+                  </a:ext>
+                </a:extLst>
+              </p:cNvPr>
+              <p:cNvCxnSpPr>
+                <a:cxnSpLocks/>
+                <a:stCxn id="21" idx="5"/>
+                <a:endCxn id="24" idx="0"/>
+              </p:cNvCxnSpPr>
+              <p:nvPr/>
+            </p:nvCxnSpPr>
+            <p:spPr>
+              <a:xfrm>
+                <a:off x="1346591" y="3997511"/>
+                <a:ext cx="297287" cy="350032"/>
+              </a:xfrm>
+              <a:prstGeom prst="line">
+                <a:avLst/>
+              </a:prstGeom>
+            </p:spPr>
+            <p:style>
+              <a:lnRef idx="1">
+                <a:schemeClr val="dk1"/>
+              </a:lnRef>
+              <a:fillRef idx="0">
+                <a:schemeClr val="dk1"/>
+              </a:fillRef>
+              <a:effectRef idx="0">
+                <a:schemeClr val="dk1"/>
+              </a:effectRef>
+              <a:fontRef idx="minor">
+                <a:schemeClr val="tx1"/>
+              </a:fontRef>
+            </p:style>
+          </p:cxnSp>
+          <p:cxnSp>
+            <p:nvCxnSpPr>
+              <p:cNvPr id="30" name="Straight Connector 29">
+                <a:extLst>
+                  <a:ext uri="{FF2B5EF4-FFF2-40B4-BE49-F238E27FC236}">
+                    <a16:creationId xmlns:a16="http://schemas.microsoft.com/office/drawing/2014/main" id="{BD774E97-1FA3-4237-ABB6-E694F9B27BB3}"/>
+                  </a:ext>
+                </a:extLst>
+              </p:cNvPr>
+              <p:cNvCxnSpPr>
+                <a:cxnSpLocks/>
+                <a:stCxn id="24" idx="6"/>
+                <a:endCxn id="22" idx="2"/>
+              </p:cNvCxnSpPr>
+              <p:nvPr/>
+            </p:nvCxnSpPr>
+            <p:spPr>
+              <a:xfrm>
+                <a:off x="1872478" y="4576143"/>
+                <a:ext cx="460696" cy="0"/>
+              </a:xfrm>
+              <a:prstGeom prst="line">
+                <a:avLst/>
+              </a:prstGeom>
+            </p:spPr>
+            <p:style>
+              <a:lnRef idx="1">
+                <a:schemeClr val="dk1"/>
+              </a:lnRef>
+              <a:fillRef idx="0">
+                <a:schemeClr val="dk1"/>
+              </a:fillRef>
+              <a:effectRef idx="0">
+                <a:schemeClr val="dk1"/>
+              </a:effectRef>
+              <a:fontRef idx="minor">
+                <a:schemeClr val="tx1"/>
+              </a:fontRef>
+            </p:style>
+          </p:cxnSp>
+          <p:cxnSp>
+            <p:nvCxnSpPr>
+              <p:cNvPr id="31" name="Straight Connector 30">
+                <a:extLst>
+                  <a:ext uri="{FF2B5EF4-FFF2-40B4-BE49-F238E27FC236}">
+                    <a16:creationId xmlns:a16="http://schemas.microsoft.com/office/drawing/2014/main" id="{3D0696F5-9003-4F2D-8E13-1CA46EFEBAB2}"/>
+                  </a:ext>
+                </a:extLst>
+              </p:cNvPr>
+              <p:cNvCxnSpPr>
+                <a:cxnSpLocks/>
+              </p:cNvCxnSpPr>
+              <p:nvPr/>
+            </p:nvCxnSpPr>
+            <p:spPr>
+              <a:xfrm>
+                <a:off x="2263391" y="4001705"/>
+                <a:ext cx="299051" cy="345838"/>
+              </a:xfrm>
+              <a:prstGeom prst="line">
+                <a:avLst/>
+              </a:prstGeom>
+            </p:spPr>
+            <p:style>
+              <a:lnRef idx="1">
+                <a:schemeClr val="dk1"/>
+              </a:lnRef>
+              <a:fillRef idx="0">
+                <a:schemeClr val="dk1"/>
+              </a:fillRef>
+              <a:effectRef idx="0">
+                <a:schemeClr val="dk1"/>
+              </a:effectRef>
+              <a:fontRef idx="minor">
+                <a:schemeClr val="tx1"/>
+              </a:fontRef>
+            </p:style>
+          </p:cxnSp>
+          <p:cxnSp>
+            <p:nvCxnSpPr>
+              <p:cNvPr id="32" name="Straight Connector 31">
+                <a:extLst>
+                  <a:ext uri="{FF2B5EF4-FFF2-40B4-BE49-F238E27FC236}">
+                    <a16:creationId xmlns:a16="http://schemas.microsoft.com/office/drawing/2014/main" id="{A9E61A40-91CA-4AB8-B3BB-FB6C2398CEC0}"/>
+                  </a:ext>
+                </a:extLst>
+              </p:cNvPr>
+              <p:cNvCxnSpPr>
+                <a:cxnSpLocks/>
+                <a:stCxn id="22" idx="0"/>
+                <a:endCxn id="27" idx="3"/>
+              </p:cNvCxnSpPr>
+              <p:nvPr/>
+            </p:nvCxnSpPr>
+            <p:spPr>
+              <a:xfrm flipV="1">
+                <a:off x="2561774" y="3997511"/>
+                <a:ext cx="293791" cy="350032"/>
+              </a:xfrm>
+              <a:prstGeom prst="line">
+                <a:avLst/>
+              </a:prstGeom>
+            </p:spPr>
+            <p:style>
+              <a:lnRef idx="1">
+                <a:schemeClr val="dk1"/>
+              </a:lnRef>
+              <a:fillRef idx="0">
+                <a:schemeClr val="dk1"/>
+              </a:fillRef>
+              <a:effectRef idx="0">
+                <a:schemeClr val="dk1"/>
+              </a:effectRef>
+              <a:fontRef idx="minor">
+                <a:schemeClr val="tx1"/>
+              </a:fontRef>
+            </p:style>
+          </p:cxnSp>
+          <p:cxnSp>
+            <p:nvCxnSpPr>
+              <p:cNvPr id="33" name="Straight Connector 32">
+                <a:extLst>
+                  <a:ext uri="{FF2B5EF4-FFF2-40B4-BE49-F238E27FC236}">
+                    <a16:creationId xmlns:a16="http://schemas.microsoft.com/office/drawing/2014/main" id="{4844F351-9691-417C-B830-414F4FD73E6B}"/>
+                  </a:ext>
+                </a:extLst>
+              </p:cNvPr>
+              <p:cNvCxnSpPr>
+                <a:cxnSpLocks/>
+                <a:stCxn id="22" idx="4"/>
+                <a:endCxn id="23" idx="1"/>
+              </p:cNvCxnSpPr>
+              <p:nvPr/>
+            </p:nvCxnSpPr>
+            <p:spPr>
+              <a:xfrm>
+                <a:off x="2561774" y="4804743"/>
+                <a:ext cx="293791" cy="345838"/>
+              </a:xfrm>
+              <a:prstGeom prst="line">
+                <a:avLst/>
+              </a:prstGeom>
+            </p:spPr>
+            <p:style>
+              <a:lnRef idx="1">
+                <a:schemeClr val="dk1"/>
+              </a:lnRef>
+              <a:fillRef idx="0">
+                <a:schemeClr val="dk1"/>
+              </a:fillRef>
+              <a:effectRef idx="0">
+                <a:schemeClr val="dk1"/>
+              </a:effectRef>
+              <a:fontRef idx="minor">
+                <a:schemeClr val="tx1"/>
+              </a:fontRef>
+            </p:style>
+          </p:cxnSp>
+          <p:sp>
+            <p:nvSpPr>
+              <p:cNvPr id="34" name="TextBox 33">
+                <a:extLst>
+                  <a:ext uri="{FF2B5EF4-FFF2-40B4-BE49-F238E27FC236}">
+                    <a16:creationId xmlns:a16="http://schemas.microsoft.com/office/drawing/2014/main" id="{3D881F0E-5E22-4799-A123-1361CFFDD5E2}"/>
+                  </a:ext>
+                </a:extLst>
+              </p:cNvPr>
+              <p:cNvSpPr txBox="1"/>
+              <p:nvPr/>
+            </p:nvSpPr>
+            <p:spPr>
+              <a:xfrm flipH="1">
+                <a:off x="3332254" y="3488767"/>
+                <a:ext cx="1421448" cy="2308324"/>
+              </a:xfrm>
+              <a:prstGeom prst="rect">
+                <a:avLst/>
+              </a:prstGeom>
+              <a:noFill/>
+            </p:spPr>
+            <p:txBody>
+              <a:bodyPr wrap="square" rtlCol="0">
+                <a:spAutoFit/>
+              </a:bodyPr>
+              <a:lstStyle/>
+              <a:p>
+                <a:r>
+                  <a:rPr lang="en-US" dirty="0">
+                    <a:latin typeface="Times New Roman" panose="02020603050405020304" pitchFamily="18" charset="0"/>
+                    <a:cs typeface="Times New Roman" panose="02020603050405020304" pitchFamily="18" charset="0"/>
+                  </a:rPr>
+                  <a:t>A: B, C</a:t>
+                </a:r>
+              </a:p>
+              <a:p>
+                <a:r>
+                  <a:rPr lang="en-US" dirty="0">
+                    <a:latin typeface="Times New Roman" panose="02020603050405020304" pitchFamily="18" charset="0"/>
+                    <a:cs typeface="Times New Roman" panose="02020603050405020304" pitchFamily="18" charset="0"/>
+                  </a:rPr>
+                  <a:t>B: A</a:t>
+                </a:r>
+              </a:p>
+              <a:p>
+                <a:r>
+                  <a:rPr lang="en-US" dirty="0">
+                    <a:latin typeface="Times New Roman" panose="02020603050405020304" pitchFamily="18" charset="0"/>
+                    <a:cs typeface="Times New Roman" panose="02020603050405020304" pitchFamily="18" charset="0"/>
+                  </a:rPr>
+                  <a:t>C: A, F</a:t>
+                </a:r>
+              </a:p>
+              <a:p>
+                <a:r>
+                  <a:rPr lang="en-US" dirty="0">
+                    <a:latin typeface="Times New Roman" panose="02020603050405020304" pitchFamily="18" charset="0"/>
+                    <a:cs typeface="Times New Roman" panose="02020603050405020304" pitchFamily="18" charset="0"/>
+                  </a:rPr>
+                  <a:t>D: F</a:t>
+                </a:r>
+              </a:p>
+              <a:p>
+                <a:r>
+                  <a:rPr lang="en-US" dirty="0">
+                    <a:latin typeface="Times New Roman" panose="02020603050405020304" pitchFamily="18" charset="0"/>
+                    <a:cs typeface="Times New Roman" panose="02020603050405020304" pitchFamily="18" charset="0"/>
+                  </a:rPr>
+                  <a:t>E: F</a:t>
+                </a:r>
+              </a:p>
+              <a:p>
+                <a:r>
+                  <a:rPr lang="en-US" dirty="0">
+                    <a:latin typeface="Times New Roman" panose="02020603050405020304" pitchFamily="18" charset="0"/>
+                    <a:cs typeface="Times New Roman" panose="02020603050405020304" pitchFamily="18" charset="0"/>
+                  </a:rPr>
+                  <a:t>F: C, D, E, G</a:t>
+                </a:r>
+              </a:p>
+              <a:p>
+                <a:r>
+                  <a:rPr lang="en-US" dirty="0">
+                    <a:latin typeface="Times New Roman" panose="02020603050405020304" pitchFamily="18" charset="0"/>
+                    <a:cs typeface="Times New Roman" panose="02020603050405020304" pitchFamily="18" charset="0"/>
+                  </a:rPr>
+                  <a:t>G: F</a:t>
+                </a:r>
+              </a:p>
+              <a:p>
+                <a:endParaRPr lang="en-US" dirty="0">
+                  <a:latin typeface="Times New Roman" panose="02020603050405020304" pitchFamily="18" charset="0"/>
+                  <a:cs typeface="Times New Roman" panose="02020603050405020304" pitchFamily="18" charset="0"/>
+                </a:endParaRPr>
+              </a:p>
+            </p:txBody>
+          </p:sp>
+          <p:sp>
+            <p:nvSpPr>
+              <p:cNvPr id="35" name="TextBox 34">
+                <a:extLst>
+                  <a:ext uri="{FF2B5EF4-FFF2-40B4-BE49-F238E27FC236}">
+                    <a16:creationId xmlns:a16="http://schemas.microsoft.com/office/drawing/2014/main" id="{313CB6A6-D566-4CB0-B936-82916E4719FD}"/>
+                  </a:ext>
+                </a:extLst>
+              </p:cNvPr>
+              <p:cNvSpPr txBox="1"/>
+              <p:nvPr/>
+            </p:nvSpPr>
+            <p:spPr>
+              <a:xfrm>
+                <a:off x="853580" y="3111046"/>
+                <a:ext cx="1476098" cy="369332"/>
+              </a:xfrm>
+              <a:prstGeom prst="rect">
+                <a:avLst/>
+              </a:prstGeom>
+              <a:noFill/>
+            </p:spPr>
+            <p:txBody>
+              <a:bodyPr wrap="square" rtlCol="0">
+                <a:spAutoFit/>
+              </a:bodyPr>
+              <a:lstStyle/>
+              <a:p>
+                <a:r>
+                  <a:rPr lang="en-US" dirty="0">
+                    <a:latin typeface="Times New Roman" panose="02020603050405020304" pitchFamily="18" charset="0"/>
+                    <a:cs typeface="Times New Roman" panose="02020603050405020304" pitchFamily="18" charset="0"/>
+                  </a:rPr>
+                  <a:t>Graph G:</a:t>
+                </a:r>
+              </a:p>
+            </p:txBody>
+          </p:sp>
+        </p:grpSp>
+        <p:sp>
+          <p:nvSpPr>
+            <p:cNvPr id="36" name="TextBox 35">
+              <a:extLst>
+                <a:ext uri="{FF2B5EF4-FFF2-40B4-BE49-F238E27FC236}">
+                  <a16:creationId xmlns:a16="http://schemas.microsoft.com/office/drawing/2014/main" id="{B23F897F-0BA9-4DC5-8EBE-CEF74DF2D6E3}"/>
+                </a:ext>
+              </a:extLst>
+            </p:cNvPr>
+            <p:cNvSpPr txBox="1"/>
+            <p:nvPr/>
+          </p:nvSpPr>
+          <p:spPr>
+            <a:xfrm>
+              <a:off x="891280" y="4907560"/>
+              <a:ext cx="237740" cy="369332"/>
+            </a:xfrm>
+            <a:prstGeom prst="rect">
+              <a:avLst/>
+            </a:prstGeom>
+            <a:noFill/>
+          </p:spPr>
+          <p:txBody>
+            <a:bodyPr wrap="square" rtlCol="0">
+              <a:spAutoFit/>
+            </a:bodyPr>
+            <a:lstStyle/>
+            <a:p>
+              <a:r>
+                <a:rPr lang="en-US" dirty="0">
+                  <a:latin typeface="Times New Roman" panose="02020603050405020304" pitchFamily="18" charset="0"/>
+                  <a:cs typeface="Times New Roman" panose="02020603050405020304" pitchFamily="18" charset="0"/>
+                </a:rPr>
+                <a:t>1</a:t>
+              </a:r>
+            </a:p>
+          </p:txBody>
+        </p:sp>
+        <p:sp>
+          <p:nvSpPr>
+            <p:cNvPr id="37" name="TextBox 36">
+              <a:extLst>
+                <a:ext uri="{FF2B5EF4-FFF2-40B4-BE49-F238E27FC236}">
+                  <a16:creationId xmlns:a16="http://schemas.microsoft.com/office/drawing/2014/main" id="{F7E0480E-9273-4CF0-8278-3DECD39C597C}"/>
+                </a:ext>
+              </a:extLst>
+            </p:cNvPr>
+            <p:cNvSpPr txBox="1"/>
+            <p:nvPr/>
+          </p:nvSpPr>
+          <p:spPr>
+            <a:xfrm>
+              <a:off x="1244767" y="4630324"/>
+              <a:ext cx="237740" cy="369332"/>
+            </a:xfrm>
+            <a:prstGeom prst="rect">
+              <a:avLst/>
+            </a:prstGeom>
+            <a:noFill/>
+          </p:spPr>
+          <p:txBody>
+            <a:bodyPr wrap="square" rtlCol="0">
+              <a:spAutoFit/>
+            </a:bodyPr>
+            <a:lstStyle/>
+            <a:p>
+              <a:r>
+                <a:rPr lang="en-US" dirty="0">
+                  <a:latin typeface="Times New Roman" panose="02020603050405020304" pitchFamily="18" charset="0"/>
+                  <a:cs typeface="Times New Roman" panose="02020603050405020304" pitchFamily="18" charset="0"/>
+                </a:rPr>
+                <a:t>2</a:t>
+              </a:r>
+            </a:p>
+          </p:txBody>
+        </p:sp>
+        <p:sp>
+          <p:nvSpPr>
+            <p:cNvPr id="38" name="TextBox 37">
+              <a:extLst>
+                <a:ext uri="{FF2B5EF4-FFF2-40B4-BE49-F238E27FC236}">
+                  <a16:creationId xmlns:a16="http://schemas.microsoft.com/office/drawing/2014/main" id="{9937694D-7ED8-47F2-9A26-DEF804A67DE6}"/>
+                </a:ext>
+              </a:extLst>
+            </p:cNvPr>
+            <p:cNvSpPr txBox="1"/>
+            <p:nvPr/>
+          </p:nvSpPr>
+          <p:spPr>
+            <a:xfrm>
+              <a:off x="1949551" y="4867345"/>
+              <a:ext cx="237740" cy="369332"/>
+            </a:xfrm>
+            <a:prstGeom prst="rect">
+              <a:avLst/>
+            </a:prstGeom>
+            <a:noFill/>
+          </p:spPr>
+          <p:txBody>
+            <a:bodyPr wrap="square" rtlCol="0">
+              <a:spAutoFit/>
+            </a:bodyPr>
+            <a:lstStyle/>
+            <a:p>
+              <a:r>
+                <a:rPr lang="en-US" dirty="0">
+                  <a:latin typeface="Times New Roman" panose="02020603050405020304" pitchFamily="18" charset="0"/>
+                  <a:cs typeface="Times New Roman" panose="02020603050405020304" pitchFamily="18" charset="0"/>
+                </a:rPr>
+                <a:t>3</a:t>
+              </a:r>
+            </a:p>
+          </p:txBody>
+        </p:sp>
+        <p:sp>
+          <p:nvSpPr>
+            <p:cNvPr id="39" name="TextBox 38">
+              <a:extLst>
+                <a:ext uri="{FF2B5EF4-FFF2-40B4-BE49-F238E27FC236}">
+                  <a16:creationId xmlns:a16="http://schemas.microsoft.com/office/drawing/2014/main" id="{F9F3CAE9-91E2-422A-8C03-CDF54F013AF9}"/>
+                </a:ext>
+              </a:extLst>
+            </p:cNvPr>
+            <p:cNvSpPr txBox="1"/>
+            <p:nvPr/>
+          </p:nvSpPr>
+          <p:spPr>
+            <a:xfrm>
+              <a:off x="2164033" y="4682679"/>
+              <a:ext cx="237740" cy="369332"/>
+            </a:xfrm>
+            <a:prstGeom prst="rect">
+              <a:avLst/>
+            </a:prstGeom>
+            <a:noFill/>
+          </p:spPr>
+          <p:txBody>
+            <a:bodyPr wrap="square" rtlCol="0">
+              <a:spAutoFit/>
+            </a:bodyPr>
+            <a:lstStyle/>
+            <a:p>
+              <a:r>
+                <a:rPr lang="en-US" dirty="0">
+                  <a:latin typeface="Times New Roman" panose="02020603050405020304" pitchFamily="18" charset="0"/>
+                  <a:cs typeface="Times New Roman" panose="02020603050405020304" pitchFamily="18" charset="0"/>
+                </a:rPr>
+                <a:t>4</a:t>
+              </a:r>
+            </a:p>
+          </p:txBody>
+        </p:sp>
+        <p:sp>
+          <p:nvSpPr>
+            <p:cNvPr id="40" name="TextBox 39">
+              <a:extLst>
+                <a:ext uri="{FF2B5EF4-FFF2-40B4-BE49-F238E27FC236}">
+                  <a16:creationId xmlns:a16="http://schemas.microsoft.com/office/drawing/2014/main" id="{07E0A0DC-DDD2-4C05-9733-B9B902309962}"/>
+                </a:ext>
+              </a:extLst>
+            </p:cNvPr>
+            <p:cNvSpPr txBox="1"/>
+            <p:nvPr/>
+          </p:nvSpPr>
+          <p:spPr>
+            <a:xfrm>
+              <a:off x="2453941" y="4482685"/>
+              <a:ext cx="237740" cy="369332"/>
+            </a:xfrm>
+            <a:prstGeom prst="rect">
+              <a:avLst/>
+            </a:prstGeom>
+            <a:noFill/>
+          </p:spPr>
+          <p:txBody>
+            <a:bodyPr wrap="square" rtlCol="0">
+              <a:spAutoFit/>
+            </a:bodyPr>
+            <a:lstStyle/>
+            <a:p>
+              <a:r>
+                <a:rPr lang="en-US" dirty="0">
+                  <a:latin typeface="Times New Roman" panose="02020603050405020304" pitchFamily="18" charset="0"/>
+                  <a:cs typeface="Times New Roman" panose="02020603050405020304" pitchFamily="18" charset="0"/>
+                </a:rPr>
+                <a:t>5</a:t>
+              </a:r>
+            </a:p>
+          </p:txBody>
+        </p:sp>
+        <p:sp>
+          <p:nvSpPr>
+            <p:cNvPr id="41" name="TextBox 40">
+              <a:extLst>
+                <a:ext uri="{FF2B5EF4-FFF2-40B4-BE49-F238E27FC236}">
+                  <a16:creationId xmlns:a16="http://schemas.microsoft.com/office/drawing/2014/main" id="{0C6271DB-D30E-472F-B753-B7F40C3E4F32}"/>
+                </a:ext>
+              </a:extLst>
+            </p:cNvPr>
+            <p:cNvSpPr txBox="1"/>
+            <p:nvPr/>
+          </p:nvSpPr>
+          <p:spPr>
+            <a:xfrm>
+              <a:off x="2428192" y="5505606"/>
+              <a:ext cx="237740" cy="369332"/>
+            </a:xfrm>
+            <a:prstGeom prst="rect">
+              <a:avLst/>
+            </a:prstGeom>
+            <a:noFill/>
+          </p:spPr>
+          <p:txBody>
+            <a:bodyPr wrap="square" rtlCol="0">
+              <a:spAutoFit/>
+            </a:bodyPr>
+            <a:lstStyle/>
+            <a:p>
+              <a:r>
+                <a:rPr lang="en-US" dirty="0">
+                  <a:latin typeface="Times New Roman" panose="02020603050405020304" pitchFamily="18" charset="0"/>
+                  <a:cs typeface="Times New Roman" panose="02020603050405020304" pitchFamily="18" charset="0"/>
+                </a:rPr>
+                <a:t>6</a:t>
+              </a:r>
+            </a:p>
+          </p:txBody>
+        </p:sp>
+        <p:sp>
+          <p:nvSpPr>
+            <p:cNvPr id="42" name="TextBox 41">
+              <a:extLst>
+                <a:ext uri="{FF2B5EF4-FFF2-40B4-BE49-F238E27FC236}">
+                  <a16:creationId xmlns:a16="http://schemas.microsoft.com/office/drawing/2014/main" id="{98EBDA75-350B-478E-93D3-DD8E3F75148F}"/>
+                </a:ext>
+              </a:extLst>
+            </p:cNvPr>
+            <p:cNvSpPr txBox="1"/>
+            <p:nvPr/>
+          </p:nvSpPr>
+          <p:spPr>
+            <a:xfrm>
+              <a:off x="7924131" y="3747782"/>
+              <a:ext cx="2989277" cy="3600986"/>
+            </a:xfrm>
+            <a:prstGeom prst="rect">
+              <a:avLst/>
+            </a:prstGeom>
+            <a:noFill/>
+          </p:spPr>
+          <p:txBody>
+            <a:bodyPr wrap="square" rtlCol="0">
+              <a:spAutoFit/>
+            </a:bodyPr>
+            <a:lstStyle/>
+            <a:p>
+              <a:r>
+                <a:rPr lang="en-US" dirty="0">
+                  <a:latin typeface="Times New Roman" panose="02020603050405020304" pitchFamily="18" charset="0"/>
+                  <a:cs typeface="Times New Roman" panose="02020603050405020304" pitchFamily="18" charset="0"/>
+                </a:rPr>
+                <a:t>Set Cover:</a:t>
+              </a:r>
+            </a:p>
+            <a:p>
+              <a:r>
+                <a:rPr lang="en-US" dirty="0">
+                  <a:latin typeface="Times New Roman" panose="02020603050405020304" pitchFamily="18" charset="0"/>
+                  <a:cs typeface="Times New Roman" panose="02020603050405020304" pitchFamily="18" charset="0"/>
+                </a:rPr>
+                <a:t>U = {1, 2, 3, 4, 5, 6}</a:t>
+              </a:r>
+            </a:p>
+            <a:p>
+              <a:r>
+                <a:rPr lang="en-US" dirty="0">
+                  <a:latin typeface="Times New Roman" panose="02020603050405020304" pitchFamily="18" charset="0"/>
+                  <a:cs typeface="Times New Roman" panose="02020603050405020304" pitchFamily="18" charset="0"/>
+                </a:rPr>
+                <a:t>k = |S| = 2</a:t>
+              </a:r>
+            </a:p>
+            <a:p>
+              <a:r>
+                <a:rPr lang="en-US" dirty="0">
+                  <a:solidFill>
+                    <a:srgbClr val="FF0000"/>
+                  </a:solidFill>
+                  <a:latin typeface="Times New Roman" panose="02020603050405020304" pitchFamily="18" charset="0"/>
+                  <a:cs typeface="Times New Roman" panose="02020603050405020304" pitchFamily="18" charset="0"/>
+                </a:rPr>
+                <a:t>S</a:t>
+              </a:r>
+              <a:r>
+                <a:rPr lang="en-US" baseline="-25000" dirty="0">
+                  <a:solidFill>
+                    <a:srgbClr val="FF0000"/>
+                  </a:solidFill>
+                  <a:latin typeface="Times New Roman" panose="02020603050405020304" pitchFamily="18" charset="0"/>
+                  <a:cs typeface="Times New Roman" panose="02020603050405020304" pitchFamily="18" charset="0"/>
+                </a:rPr>
+                <a:t>A</a:t>
+              </a:r>
+              <a:r>
+                <a:rPr lang="en-US" dirty="0">
+                  <a:solidFill>
+                    <a:srgbClr val="FF0000"/>
+                  </a:solidFill>
+                  <a:latin typeface="Times New Roman" panose="02020603050405020304" pitchFamily="18" charset="0"/>
+                  <a:cs typeface="Times New Roman" panose="02020603050405020304" pitchFamily="18" charset="0"/>
+                </a:rPr>
+                <a:t> = {1, 2}</a:t>
+              </a:r>
+            </a:p>
+            <a:p>
+              <a:r>
+                <a:rPr lang="en-US" dirty="0">
+                  <a:latin typeface="Times New Roman" panose="02020603050405020304" pitchFamily="18" charset="0"/>
+                  <a:cs typeface="Times New Roman" panose="02020603050405020304" pitchFamily="18" charset="0"/>
+                </a:rPr>
+                <a:t>S</a:t>
+              </a:r>
+              <a:r>
+                <a:rPr lang="en-US" baseline="-25000" dirty="0">
+                  <a:latin typeface="Times New Roman" panose="02020603050405020304" pitchFamily="18" charset="0"/>
+                  <a:cs typeface="Times New Roman" panose="02020603050405020304" pitchFamily="18" charset="0"/>
+                </a:rPr>
+                <a:t>B</a:t>
+              </a:r>
+              <a:r>
+                <a:rPr lang="en-US" dirty="0">
+                  <a:latin typeface="Times New Roman" panose="02020603050405020304" pitchFamily="18" charset="0"/>
+                  <a:cs typeface="Times New Roman" panose="02020603050405020304" pitchFamily="18" charset="0"/>
+                </a:rPr>
+                <a:t> = {1,}</a:t>
+              </a:r>
+            </a:p>
+            <a:p>
+              <a:r>
+                <a:rPr lang="en-US" dirty="0">
+                  <a:latin typeface="Times New Roman" panose="02020603050405020304" pitchFamily="18" charset="0"/>
+                  <a:cs typeface="Times New Roman" panose="02020603050405020304" pitchFamily="18" charset="0"/>
+                </a:rPr>
+                <a:t>S</a:t>
+              </a:r>
+              <a:r>
+                <a:rPr lang="en-US" baseline="-25000" dirty="0">
+                  <a:latin typeface="Times New Roman" panose="02020603050405020304" pitchFamily="18" charset="0"/>
+                  <a:cs typeface="Times New Roman" panose="02020603050405020304" pitchFamily="18" charset="0"/>
+                </a:rPr>
+                <a:t>C</a:t>
+              </a:r>
+              <a:r>
+                <a:rPr lang="en-US" dirty="0">
+                  <a:latin typeface="Times New Roman" panose="02020603050405020304" pitchFamily="18" charset="0"/>
+                  <a:cs typeface="Times New Roman" panose="02020603050405020304" pitchFamily="18" charset="0"/>
+                </a:rPr>
+                <a:t> = {2, 3}</a:t>
+              </a:r>
+            </a:p>
+            <a:p>
+              <a:r>
+                <a:rPr lang="en-US" dirty="0">
+                  <a:latin typeface="Times New Roman" panose="02020603050405020304" pitchFamily="18" charset="0"/>
+                  <a:cs typeface="Times New Roman" panose="02020603050405020304" pitchFamily="18" charset="0"/>
+                </a:rPr>
+                <a:t>S</a:t>
+              </a:r>
+              <a:r>
+                <a:rPr lang="en-US" baseline="-25000" dirty="0">
+                  <a:latin typeface="Times New Roman" panose="02020603050405020304" pitchFamily="18" charset="0"/>
+                  <a:cs typeface="Times New Roman" panose="02020603050405020304" pitchFamily="18" charset="0"/>
+                </a:rPr>
+                <a:t>D</a:t>
+              </a:r>
+              <a:r>
+                <a:rPr lang="en-US" dirty="0">
+                  <a:latin typeface="Times New Roman" panose="02020603050405020304" pitchFamily="18" charset="0"/>
+                  <a:cs typeface="Times New Roman" panose="02020603050405020304" pitchFamily="18" charset="0"/>
+                </a:rPr>
+                <a:t> = {4}</a:t>
+              </a:r>
+            </a:p>
+            <a:p>
+              <a:r>
+                <a:rPr lang="en-US" dirty="0">
+                  <a:latin typeface="Times New Roman" panose="02020603050405020304" pitchFamily="18" charset="0"/>
+                  <a:cs typeface="Times New Roman" panose="02020603050405020304" pitchFamily="18" charset="0"/>
+                </a:rPr>
+                <a:t>S</a:t>
+              </a:r>
+              <a:r>
+                <a:rPr lang="en-US" baseline="-25000" dirty="0">
+                  <a:latin typeface="Times New Roman" panose="02020603050405020304" pitchFamily="18" charset="0"/>
+                  <a:cs typeface="Times New Roman" panose="02020603050405020304" pitchFamily="18" charset="0"/>
+                </a:rPr>
+                <a:t>E</a:t>
+              </a:r>
+              <a:r>
+                <a:rPr lang="en-US" dirty="0">
+                  <a:latin typeface="Times New Roman" panose="02020603050405020304" pitchFamily="18" charset="0"/>
+                  <a:cs typeface="Times New Roman" panose="02020603050405020304" pitchFamily="18" charset="0"/>
+                </a:rPr>
+                <a:t> = {5}</a:t>
+              </a:r>
+            </a:p>
+            <a:p>
+              <a:r>
+                <a:rPr lang="en-US" dirty="0">
+                  <a:solidFill>
+                    <a:srgbClr val="FF0000"/>
+                  </a:solidFill>
+                  <a:latin typeface="Times New Roman" panose="02020603050405020304" pitchFamily="18" charset="0"/>
+                  <a:cs typeface="Times New Roman" panose="02020603050405020304" pitchFamily="18" charset="0"/>
+                </a:rPr>
+                <a:t>S</a:t>
+              </a:r>
+              <a:r>
+                <a:rPr lang="en-US" baseline="-25000" dirty="0">
+                  <a:solidFill>
+                    <a:srgbClr val="FF0000"/>
+                  </a:solidFill>
+                  <a:latin typeface="Times New Roman" panose="02020603050405020304" pitchFamily="18" charset="0"/>
+                  <a:cs typeface="Times New Roman" panose="02020603050405020304" pitchFamily="18" charset="0"/>
+                </a:rPr>
+                <a:t>F</a:t>
+              </a:r>
+              <a:r>
+                <a:rPr lang="en-US" dirty="0">
+                  <a:solidFill>
+                    <a:srgbClr val="FF0000"/>
+                  </a:solidFill>
+                  <a:latin typeface="Times New Roman" panose="02020603050405020304" pitchFamily="18" charset="0"/>
+                  <a:cs typeface="Times New Roman" panose="02020603050405020304" pitchFamily="18" charset="0"/>
+                </a:rPr>
+                <a:t> = {3, 4, 5, 6}</a:t>
+              </a:r>
+            </a:p>
+            <a:p>
+              <a:r>
+                <a:rPr lang="en-US" dirty="0">
+                  <a:latin typeface="Times New Roman" panose="02020603050405020304" pitchFamily="18" charset="0"/>
+                  <a:cs typeface="Times New Roman" panose="02020603050405020304" pitchFamily="18" charset="0"/>
+                </a:rPr>
+                <a:t>S</a:t>
+              </a:r>
+              <a:r>
+                <a:rPr lang="en-US" baseline="-25000" dirty="0">
+                  <a:latin typeface="Times New Roman" panose="02020603050405020304" pitchFamily="18" charset="0"/>
+                  <a:cs typeface="Times New Roman" panose="02020603050405020304" pitchFamily="18" charset="0"/>
+                </a:rPr>
+                <a:t>G</a:t>
+              </a:r>
+              <a:r>
+                <a:rPr lang="en-US" dirty="0">
+                  <a:latin typeface="Times New Roman" panose="02020603050405020304" pitchFamily="18" charset="0"/>
+                  <a:cs typeface="Times New Roman" panose="02020603050405020304" pitchFamily="18" charset="0"/>
+                </a:rPr>
+                <a:t> = {6}</a:t>
+              </a:r>
+            </a:p>
+            <a:p>
+              <a:endParaRPr lang="en-US" dirty="0">
+                <a:latin typeface="Times New Roman" panose="02020603050405020304" pitchFamily="18" charset="0"/>
+                <a:cs typeface="Times New Roman" panose="02020603050405020304" pitchFamily="18" charset="0"/>
+              </a:endParaRPr>
+            </a:p>
+            <a:p>
+              <a:endParaRPr lang="en-US" baseline="-25000" dirty="0">
+                <a:latin typeface="Times New Roman" panose="02020603050405020304" pitchFamily="18" charset="0"/>
+                <a:cs typeface="Times New Roman" panose="02020603050405020304" pitchFamily="18" charset="0"/>
+              </a:endParaRPr>
+            </a:p>
+            <a:p>
+              <a:endParaRPr lang="en-US" dirty="0">
+                <a:latin typeface="Times New Roman" panose="02020603050405020304" pitchFamily="18" charset="0"/>
+                <a:cs typeface="Times New Roman" panose="02020603050405020304" pitchFamily="18" charset="0"/>
+              </a:endParaRPr>
+            </a:p>
+          </p:txBody>
+        </p:sp>
+        <p:sp>
+          <p:nvSpPr>
+            <p:cNvPr id="46" name="TextBox 45">
+              <a:extLst>
+                <a:ext uri="{FF2B5EF4-FFF2-40B4-BE49-F238E27FC236}">
+                  <a16:creationId xmlns:a16="http://schemas.microsoft.com/office/drawing/2014/main" id="{5EC5E4B8-C14E-4039-BBF5-A1BE09921F7D}"/>
+                </a:ext>
+              </a:extLst>
+            </p:cNvPr>
+            <p:cNvSpPr txBox="1"/>
+            <p:nvPr/>
+          </p:nvSpPr>
+          <p:spPr>
+            <a:xfrm>
+              <a:off x="5310149" y="3747782"/>
+              <a:ext cx="2336549" cy="923330"/>
+            </a:xfrm>
+            <a:prstGeom prst="rect">
+              <a:avLst/>
+            </a:prstGeom>
+            <a:noFill/>
+          </p:spPr>
+          <p:txBody>
+            <a:bodyPr wrap="square" rtlCol="0">
+              <a:spAutoFit/>
+            </a:bodyPr>
+            <a:lstStyle/>
+            <a:p>
+              <a:r>
+                <a:rPr lang="en-US" dirty="0">
+                  <a:latin typeface="Times New Roman" panose="02020603050405020304" pitchFamily="18" charset="0"/>
+                  <a:cs typeface="Times New Roman" panose="02020603050405020304" pitchFamily="18" charset="0"/>
+                </a:rPr>
+                <a:t>Vertex Cover:</a:t>
+              </a:r>
+            </a:p>
+            <a:p>
+              <a:r>
+                <a:rPr lang="en-US" dirty="0">
+                  <a:latin typeface="Times New Roman" panose="02020603050405020304" pitchFamily="18" charset="0"/>
+                  <a:cs typeface="Times New Roman" panose="02020603050405020304" pitchFamily="18" charset="0"/>
+                </a:rPr>
+                <a:t>G = (V, E)</a:t>
+              </a:r>
+            </a:p>
+            <a:p>
+              <a:r>
+                <a:rPr lang="en-US" dirty="0">
+                  <a:latin typeface="Times New Roman" panose="02020603050405020304" pitchFamily="18" charset="0"/>
+                  <a:cs typeface="Times New Roman" panose="02020603050405020304" pitchFamily="18" charset="0"/>
+                </a:rPr>
+                <a:t>Output = S (A, F)</a:t>
+              </a:r>
+            </a:p>
+          </p:txBody>
+        </p:sp>
+      </p:grpSp>
+    </p:spTree>
+    <p:extLst>
+      <p:ext uri="{BB962C8B-B14F-4D97-AF65-F5344CB8AC3E}">
+        <p14:creationId xmlns:p14="http://schemas.microsoft.com/office/powerpoint/2010/main" val="1078628096"/>
+      </p:ext>
+    </p:extLst>
+  </p:cSld>
+  <p:clrMapOvr>
+    <a:masterClrMapping/>
+  </p:clrMapOvr>
+</p:sld>
+</file>
+
+<file path=ppt/slides/slide6.xml><?xml version="1.0" encoding="utf-8"?>
+<p:sld xmlns:a="http://schemas.openxmlformats.org/drawingml/2006/main" xmlns:r="http://schemas.openxmlformats.org/officeDocument/2006/relationships" xmlns:p="http://schemas.openxmlformats.org/presentationml/2006/main">
+  <p:cSld>
+    <p:spTree>
+      <p:nvGrpSpPr>
+        <p:cNvPr id="1" name=""/>
+        <p:cNvGrpSpPr/>
+        <p:nvPr/>
+      </p:nvGrpSpPr>
+      <p:grpSpPr>
+        <a:xfrm>
+          <a:off x="0" y="0"/>
+          <a:ext cx="0" cy="0"/>
+          <a:chOff x="0" y="0"/>
+          <a:chExt cx="0" cy="0"/>
+        </a:xfrm>
+      </p:grpSpPr>
+      <p:sp>
+        <p:nvSpPr>
+          <p:cNvPr id="2" name="Title 1">
+            <a:extLst>
+              <a:ext uri="{FF2B5EF4-FFF2-40B4-BE49-F238E27FC236}">
+                <a16:creationId xmlns:a16="http://schemas.microsoft.com/office/drawing/2014/main" id="{0E61EEFD-E724-4CCC-B2DD-D07D37A45B8F}"/>
+              </a:ext>
+            </a:extLst>
+          </p:cNvPr>
+          <p:cNvSpPr>
+            <a:spLocks noGrp="1"/>
+          </p:cNvSpPr>
+          <p:nvPr>
+            <p:ph type="title"/>
+          </p:nvPr>
+        </p:nvSpPr>
+        <p:spPr/>
+        <p:txBody>
+          <a:bodyPr/>
+          <a:lstStyle/>
+          <a:p>
+            <a:r>
+              <a:rPr lang="en-US" dirty="0"/>
+              <a:t>Reduction (continued)</a:t>
+            </a:r>
+          </a:p>
+        </p:txBody>
+      </p:sp>
+      <p:sp>
+        <p:nvSpPr>
+          <p:cNvPr id="3" name="Content Placeholder 2">
+            <a:extLst>
+              <a:ext uri="{FF2B5EF4-FFF2-40B4-BE49-F238E27FC236}">
+                <a16:creationId xmlns:a16="http://schemas.microsoft.com/office/drawing/2014/main" id="{1E424697-A715-49B0-855B-FB347D3594F7}"/>
+              </a:ext>
+            </a:extLst>
+          </p:cNvPr>
+          <p:cNvSpPr>
+            <a:spLocks noGrp="1"/>
+          </p:cNvSpPr>
+          <p:nvPr>
+            <p:ph idx="1"/>
+          </p:nvPr>
+        </p:nvSpPr>
+        <p:spPr/>
+        <p:txBody>
+          <a:bodyPr>
+            <a:normAutofit/>
+          </a:bodyPr>
+          <a:lstStyle/>
+          <a:p>
+            <a:pPr marL="0" indent="0">
+              <a:spcBef>
+                <a:spcPts val="0"/>
+              </a:spcBef>
+              <a:buNone/>
+            </a:pPr>
+            <a:r>
+              <a:rPr lang="en-US" sz="2400" dirty="0"/>
+              <a:t>Let G = (V, E) be an instance of Vertex Cover</a:t>
+            </a:r>
+          </a:p>
+          <a:p>
+            <a:pPr marL="0" indent="0">
+              <a:spcBef>
+                <a:spcPts val="0"/>
+              </a:spcBef>
+              <a:buNone/>
+            </a:pPr>
+            <a:r>
+              <a:rPr lang="en-US" sz="2400" dirty="0"/>
+              <a:t>Create Set Cover</a:t>
+            </a:r>
+          </a:p>
+          <a:p>
+            <a:pPr marL="457200" lvl="1" indent="0">
+              <a:spcBef>
+                <a:spcPts val="0"/>
+              </a:spcBef>
+              <a:buNone/>
+            </a:pPr>
+            <a:r>
+              <a:rPr lang="en-US" sz="2000" dirty="0"/>
+              <a:t>k = |S|</a:t>
+            </a:r>
+          </a:p>
+          <a:p>
+            <a:pPr marL="457200" lvl="1" indent="0">
+              <a:spcBef>
+                <a:spcPts val="0"/>
+              </a:spcBef>
+              <a:buNone/>
+            </a:pPr>
+            <a:r>
+              <a:rPr lang="en-US" sz="2000" dirty="0"/>
+              <a:t>U = E</a:t>
+            </a:r>
+          </a:p>
+          <a:p>
+            <a:pPr marL="457200" lvl="1" indent="0">
+              <a:spcBef>
+                <a:spcPts val="0"/>
+              </a:spcBef>
+              <a:buNone/>
+            </a:pPr>
+            <a:r>
+              <a:rPr lang="en-US" sz="2000" dirty="0" err="1"/>
+              <a:t>S</a:t>
+            </a:r>
+            <a:r>
+              <a:rPr lang="en-US" sz="2000" baseline="-25000" dirty="0" err="1"/>
+              <a:t>v</a:t>
+            </a:r>
+            <a:r>
+              <a:rPr lang="en-US" sz="2000" dirty="0"/>
+              <a:t> = {e </a:t>
+            </a:r>
+            <a:r>
+              <a:rPr lang="en-US" sz="2000" dirty="0">
+                <a:latin typeface="MS Gothic" panose="020B0609070205080204" pitchFamily="49" charset="-128"/>
+                <a:ea typeface="MS Gothic" panose="020B0609070205080204" pitchFamily="49" charset="-128"/>
+              </a:rPr>
+              <a:t>∈</a:t>
+            </a:r>
+            <a:r>
+              <a:rPr lang="en-US" sz="2000" dirty="0"/>
+              <a:t> E : e incident to v} </a:t>
+            </a:r>
+          </a:p>
+          <a:p>
+            <a:pPr marL="0" indent="0">
+              <a:spcBef>
+                <a:spcPts val="0"/>
+              </a:spcBef>
+              <a:buNone/>
+            </a:pPr>
+            <a:r>
+              <a:rPr lang="en-US" sz="2400" dirty="0"/>
+              <a:t>Set Cover of max size k if and only if vertex cover of max size k</a:t>
+            </a:r>
+          </a:p>
+          <a:p>
+            <a:pPr marL="0" indent="0">
+              <a:spcBef>
+                <a:spcPts val="0"/>
+              </a:spcBef>
+              <a:buNone/>
+            </a:pPr>
+            <a:endParaRPr lang="en-US" sz="2400" dirty="0"/>
+          </a:p>
+        </p:txBody>
+      </p:sp>
+      <p:grpSp>
+        <p:nvGrpSpPr>
+          <p:cNvPr id="52" name="Group 51">
+            <a:extLst>
+              <a:ext uri="{FF2B5EF4-FFF2-40B4-BE49-F238E27FC236}">
+                <a16:creationId xmlns:a16="http://schemas.microsoft.com/office/drawing/2014/main" id="{EE84048D-6E38-49FA-BB61-D7BD9182EA85}"/>
+              </a:ext>
+            </a:extLst>
+          </p:cNvPr>
+          <p:cNvGrpSpPr/>
+          <p:nvPr/>
+        </p:nvGrpSpPr>
+        <p:grpSpPr>
+          <a:xfrm>
+            <a:off x="838200" y="3747782"/>
+            <a:ext cx="3900122" cy="2686045"/>
+            <a:chOff x="853580" y="3111046"/>
+            <a:chExt cx="3900122" cy="2686045"/>
+          </a:xfrm>
+        </p:grpSpPr>
+        <p:sp>
+          <p:nvSpPr>
+            <p:cNvPr id="53" name="Oval 52">
+              <a:extLst>
+                <a:ext uri="{FF2B5EF4-FFF2-40B4-BE49-F238E27FC236}">
+                  <a16:creationId xmlns:a16="http://schemas.microsoft.com/office/drawing/2014/main" id="{443F9C6E-776B-4E59-A637-5DEF89246E70}"/>
+                </a:ext>
+              </a:extLst>
+            </p:cNvPr>
+            <p:cNvSpPr/>
+            <p:nvPr/>
+          </p:nvSpPr>
+          <p:spPr>
+            <a:xfrm>
+              <a:off x="956346" y="3607266"/>
+              <a:ext cx="457200" cy="457200"/>
+            </a:xfrm>
+            <a:prstGeom prst="ellipse">
+              <a:avLst/>
+            </a:prstGeom>
+          </p:spPr>
+          <p:style>
+            <a:lnRef idx="2">
+              <a:schemeClr val="accent2">
+                <a:shade val="50000"/>
+              </a:schemeClr>
+            </a:lnRef>
+            <a:fillRef idx="1">
+              <a:schemeClr val="accent2"/>
+            </a:fillRef>
+            <a:effectRef idx="0">
+              <a:schemeClr val="accent2"/>
+            </a:effectRef>
+            <a:fontRef idx="minor">
+              <a:schemeClr val="lt1"/>
+            </a:fontRef>
+          </p:style>
+          <p:txBody>
+            <a:bodyPr rtlCol="0" anchor="ctr"/>
+            <a:lstStyle/>
+            <a:p>
+              <a:pPr algn="ctr"/>
+              <a:r>
+                <a:rPr lang="en-US" dirty="0">
+                  <a:latin typeface="Times New Roman" panose="02020603050405020304" pitchFamily="18" charset="0"/>
+                  <a:cs typeface="Times New Roman" panose="02020603050405020304" pitchFamily="18" charset="0"/>
+                </a:rPr>
+                <a:t>A</a:t>
+              </a:r>
+            </a:p>
+          </p:txBody>
+        </p:sp>
+        <p:sp>
+          <p:nvSpPr>
+            <p:cNvPr id="54" name="Oval 53">
+              <a:extLst>
+                <a:ext uri="{FF2B5EF4-FFF2-40B4-BE49-F238E27FC236}">
+                  <a16:creationId xmlns:a16="http://schemas.microsoft.com/office/drawing/2014/main" id="{79647D83-7FBD-4859-BC97-0DD5C312DE7D}"/>
+                </a:ext>
+              </a:extLst>
+            </p:cNvPr>
+            <p:cNvSpPr/>
+            <p:nvPr/>
+          </p:nvSpPr>
+          <p:spPr>
+            <a:xfrm>
+              <a:off x="2333174" y="4347543"/>
+              <a:ext cx="457200" cy="457200"/>
+            </a:xfrm>
+            <a:prstGeom prst="ellipse">
+              <a:avLst/>
+            </a:prstGeom>
+          </p:spPr>
+          <p:style>
+            <a:lnRef idx="2">
+              <a:schemeClr val="accent2">
+                <a:shade val="50000"/>
+              </a:schemeClr>
+            </a:lnRef>
+            <a:fillRef idx="1">
+              <a:schemeClr val="accent2"/>
+            </a:fillRef>
+            <a:effectRef idx="0">
+              <a:schemeClr val="accent2"/>
+            </a:effectRef>
+            <a:fontRef idx="minor">
+              <a:schemeClr val="lt1"/>
+            </a:fontRef>
+          </p:style>
+          <p:txBody>
+            <a:bodyPr rtlCol="0" anchor="ctr"/>
+            <a:lstStyle/>
+            <a:p>
+              <a:pPr algn="ctr"/>
+              <a:r>
+                <a:rPr lang="en-US" dirty="0">
+                  <a:latin typeface="Times New Roman" panose="02020603050405020304" pitchFamily="18" charset="0"/>
+                  <a:cs typeface="Times New Roman" panose="02020603050405020304" pitchFamily="18" charset="0"/>
+                </a:rPr>
+                <a:t>F</a:t>
+              </a:r>
+            </a:p>
+          </p:txBody>
+        </p:sp>
+        <p:sp>
+          <p:nvSpPr>
+            <p:cNvPr id="55" name="Oval 54">
+              <a:extLst>
+                <a:ext uri="{FF2B5EF4-FFF2-40B4-BE49-F238E27FC236}">
+                  <a16:creationId xmlns:a16="http://schemas.microsoft.com/office/drawing/2014/main" id="{F147224B-54F4-425F-A670-A6F66D52C020}"/>
+                </a:ext>
+              </a:extLst>
+            </p:cNvPr>
+            <p:cNvSpPr/>
+            <p:nvPr/>
+          </p:nvSpPr>
+          <p:spPr>
+            <a:xfrm>
+              <a:off x="2788610" y="5083626"/>
+              <a:ext cx="457200" cy="457200"/>
+            </a:xfrm>
+            <a:prstGeom prst="ellipse">
+              <a:avLst/>
+            </a:prstGeom>
+          </p:spPr>
+          <p:style>
+            <a:lnRef idx="2">
+              <a:schemeClr val="dk1">
+                <a:shade val="50000"/>
+              </a:schemeClr>
+            </a:lnRef>
+            <a:fillRef idx="1">
+              <a:schemeClr val="dk1"/>
+            </a:fillRef>
+            <a:effectRef idx="0">
+              <a:schemeClr val="dk1"/>
+            </a:effectRef>
+            <a:fontRef idx="minor">
+              <a:schemeClr val="lt1"/>
+            </a:fontRef>
+          </p:style>
+          <p:txBody>
+            <a:bodyPr rtlCol="0" anchor="ctr"/>
+            <a:lstStyle/>
+            <a:p>
+              <a:pPr algn="ctr"/>
+              <a:r>
+                <a:rPr lang="en-US" dirty="0">
+                  <a:latin typeface="Times New Roman" panose="02020603050405020304" pitchFamily="18" charset="0"/>
+                  <a:cs typeface="Times New Roman" panose="02020603050405020304" pitchFamily="18" charset="0"/>
+                </a:rPr>
+                <a:t>G</a:t>
+              </a:r>
+            </a:p>
+          </p:txBody>
+        </p:sp>
+        <p:sp>
+          <p:nvSpPr>
+            <p:cNvPr id="56" name="Oval 55">
+              <a:extLst>
+                <a:ext uri="{FF2B5EF4-FFF2-40B4-BE49-F238E27FC236}">
+                  <a16:creationId xmlns:a16="http://schemas.microsoft.com/office/drawing/2014/main" id="{1F137A1F-D5E2-488C-AF1E-6FACDEFFACF2}"/>
+                </a:ext>
+              </a:extLst>
+            </p:cNvPr>
+            <p:cNvSpPr/>
+            <p:nvPr/>
+          </p:nvSpPr>
+          <p:spPr>
+            <a:xfrm>
+              <a:off x="1415278" y="4347543"/>
+              <a:ext cx="457200" cy="457200"/>
+            </a:xfrm>
+            <a:prstGeom prst="ellipse">
+              <a:avLst/>
+            </a:prstGeom>
+          </p:spPr>
+          <p:style>
+            <a:lnRef idx="2">
+              <a:schemeClr val="dk1">
+                <a:shade val="50000"/>
+              </a:schemeClr>
+            </a:lnRef>
+            <a:fillRef idx="1">
+              <a:schemeClr val="dk1"/>
+            </a:fillRef>
+            <a:effectRef idx="0">
+              <a:schemeClr val="dk1"/>
+            </a:effectRef>
+            <a:fontRef idx="minor">
+              <a:schemeClr val="lt1"/>
+            </a:fontRef>
+          </p:style>
+          <p:txBody>
+            <a:bodyPr rtlCol="0" anchor="ctr"/>
+            <a:lstStyle/>
+            <a:p>
+              <a:pPr algn="ctr"/>
+              <a:r>
+                <a:rPr lang="en-US" dirty="0">
+                  <a:latin typeface="Times New Roman" panose="02020603050405020304" pitchFamily="18" charset="0"/>
+                  <a:cs typeface="Times New Roman" panose="02020603050405020304" pitchFamily="18" charset="0"/>
+                </a:rPr>
+                <a:t>C</a:t>
+              </a:r>
+            </a:p>
+          </p:txBody>
+        </p:sp>
+        <p:sp>
+          <p:nvSpPr>
+            <p:cNvPr id="57" name="Oval 56">
+              <a:extLst>
+                <a:ext uri="{FF2B5EF4-FFF2-40B4-BE49-F238E27FC236}">
+                  <a16:creationId xmlns:a16="http://schemas.microsoft.com/office/drawing/2014/main" id="{7BE017E1-ED1B-4793-851E-9016EA637D17}"/>
+                </a:ext>
+              </a:extLst>
+            </p:cNvPr>
+            <p:cNvSpPr/>
+            <p:nvPr/>
+          </p:nvSpPr>
+          <p:spPr>
+            <a:xfrm>
+              <a:off x="1872478" y="3611460"/>
+              <a:ext cx="457200" cy="457200"/>
+            </a:xfrm>
+            <a:prstGeom prst="ellipse">
+              <a:avLst/>
+            </a:prstGeom>
+          </p:spPr>
+          <p:style>
+            <a:lnRef idx="2">
+              <a:schemeClr val="dk1">
+                <a:shade val="50000"/>
+              </a:schemeClr>
+            </a:lnRef>
+            <a:fillRef idx="1">
+              <a:schemeClr val="dk1"/>
+            </a:fillRef>
+            <a:effectRef idx="0">
+              <a:schemeClr val="dk1"/>
+            </a:effectRef>
+            <a:fontRef idx="minor">
+              <a:schemeClr val="lt1"/>
+            </a:fontRef>
+          </p:style>
+          <p:txBody>
+            <a:bodyPr rtlCol="0" anchor="ctr"/>
+            <a:lstStyle/>
+            <a:p>
+              <a:pPr algn="ctr"/>
+              <a:r>
+                <a:rPr lang="en-US" dirty="0">
+                  <a:latin typeface="Times New Roman" panose="02020603050405020304" pitchFamily="18" charset="0"/>
+                  <a:cs typeface="Times New Roman" panose="02020603050405020304" pitchFamily="18" charset="0"/>
+                </a:rPr>
+                <a:t>D</a:t>
+              </a:r>
+            </a:p>
+          </p:txBody>
+        </p:sp>
+        <p:sp>
+          <p:nvSpPr>
+            <p:cNvPr id="58" name="Oval 57">
+              <a:extLst>
+                <a:ext uri="{FF2B5EF4-FFF2-40B4-BE49-F238E27FC236}">
+                  <a16:creationId xmlns:a16="http://schemas.microsoft.com/office/drawing/2014/main" id="{5FAF4492-7AC3-4580-9FF7-6072240BD852}"/>
+                </a:ext>
+              </a:extLst>
+            </p:cNvPr>
+            <p:cNvSpPr/>
+            <p:nvPr/>
+          </p:nvSpPr>
+          <p:spPr>
+            <a:xfrm>
+              <a:off x="956346" y="5083626"/>
+              <a:ext cx="457200" cy="457200"/>
+            </a:xfrm>
+            <a:prstGeom prst="ellipse">
+              <a:avLst/>
+            </a:prstGeom>
+          </p:spPr>
+          <p:style>
+            <a:lnRef idx="2">
+              <a:schemeClr val="dk1">
+                <a:shade val="50000"/>
+              </a:schemeClr>
+            </a:lnRef>
+            <a:fillRef idx="1">
+              <a:schemeClr val="dk1"/>
+            </a:fillRef>
+            <a:effectRef idx="0">
+              <a:schemeClr val="dk1"/>
+            </a:effectRef>
+            <a:fontRef idx="minor">
+              <a:schemeClr val="lt1"/>
+            </a:fontRef>
+          </p:style>
+          <p:txBody>
+            <a:bodyPr rtlCol="0" anchor="ctr"/>
+            <a:lstStyle/>
+            <a:p>
+              <a:pPr algn="ctr"/>
+              <a:r>
+                <a:rPr lang="en-US" dirty="0">
+                  <a:latin typeface="Times New Roman" panose="02020603050405020304" pitchFamily="18" charset="0"/>
+                  <a:cs typeface="Times New Roman" panose="02020603050405020304" pitchFamily="18" charset="0"/>
+                </a:rPr>
+                <a:t>B</a:t>
+              </a:r>
+            </a:p>
+          </p:txBody>
+        </p:sp>
+        <p:sp>
+          <p:nvSpPr>
+            <p:cNvPr id="59" name="Oval 58">
+              <a:extLst>
+                <a:ext uri="{FF2B5EF4-FFF2-40B4-BE49-F238E27FC236}">
+                  <a16:creationId xmlns:a16="http://schemas.microsoft.com/office/drawing/2014/main" id="{49767D88-BB14-4331-8C06-C941BED109B0}"/>
+                </a:ext>
+              </a:extLst>
+            </p:cNvPr>
+            <p:cNvSpPr/>
+            <p:nvPr/>
+          </p:nvSpPr>
+          <p:spPr>
+            <a:xfrm>
+              <a:off x="2788610" y="3607266"/>
+              <a:ext cx="457200" cy="457200"/>
+            </a:xfrm>
+            <a:prstGeom prst="ellipse">
+              <a:avLst/>
+            </a:prstGeom>
+          </p:spPr>
+          <p:style>
+            <a:lnRef idx="2">
+              <a:schemeClr val="dk1">
+                <a:shade val="50000"/>
+              </a:schemeClr>
+            </a:lnRef>
+            <a:fillRef idx="1">
+              <a:schemeClr val="dk1"/>
+            </a:fillRef>
+            <a:effectRef idx="0">
+              <a:schemeClr val="dk1"/>
+            </a:effectRef>
+            <a:fontRef idx="minor">
+              <a:schemeClr val="lt1"/>
+            </a:fontRef>
+          </p:style>
+          <p:txBody>
+            <a:bodyPr rtlCol="0" anchor="ctr"/>
+            <a:lstStyle/>
+            <a:p>
+              <a:pPr algn="ctr"/>
+              <a:r>
+                <a:rPr lang="en-US" dirty="0">
+                  <a:latin typeface="Times New Roman" panose="02020603050405020304" pitchFamily="18" charset="0"/>
+                  <a:cs typeface="Times New Roman" panose="02020603050405020304" pitchFamily="18" charset="0"/>
+                </a:rPr>
+                <a:t>E</a:t>
+              </a:r>
+            </a:p>
+          </p:txBody>
+        </p:sp>
+        <p:cxnSp>
+          <p:nvCxnSpPr>
+            <p:cNvPr id="60" name="Straight Connector 59">
+              <a:extLst>
+                <a:ext uri="{FF2B5EF4-FFF2-40B4-BE49-F238E27FC236}">
+                  <a16:creationId xmlns:a16="http://schemas.microsoft.com/office/drawing/2014/main" id="{E1A47D2D-F7BC-4230-B22A-4DF20FC8E2E7}"/>
+                </a:ext>
+              </a:extLst>
+            </p:cNvPr>
+            <p:cNvCxnSpPr>
+              <a:cxnSpLocks/>
+              <a:stCxn id="53" idx="4"/>
+              <a:endCxn id="58" idx="0"/>
+            </p:cNvCxnSpPr>
+            <p:nvPr/>
+          </p:nvCxnSpPr>
+          <p:spPr>
+            <a:xfrm>
+              <a:off x="1184946" y="4064466"/>
+              <a:ext cx="0" cy="1019160"/>
+            </a:xfrm>
+            <a:prstGeom prst="line">
+              <a:avLst/>
+            </a:prstGeom>
+          </p:spPr>
+          <p:style>
+            <a:lnRef idx="1">
+              <a:schemeClr val="dk1"/>
+            </a:lnRef>
+            <a:fillRef idx="0">
+              <a:schemeClr val="dk1"/>
+            </a:fillRef>
+            <a:effectRef idx="0">
+              <a:schemeClr val="dk1"/>
+            </a:effectRef>
+            <a:fontRef idx="minor">
+              <a:schemeClr val="tx1"/>
+            </a:fontRef>
+          </p:style>
+        </p:cxnSp>
+        <p:cxnSp>
+          <p:nvCxnSpPr>
+            <p:cNvPr id="61" name="Straight Connector 60">
+              <a:extLst>
+                <a:ext uri="{FF2B5EF4-FFF2-40B4-BE49-F238E27FC236}">
+                  <a16:creationId xmlns:a16="http://schemas.microsoft.com/office/drawing/2014/main" id="{40D13727-5A51-4CD6-84F4-796A3EDDAFB0}"/>
+                </a:ext>
+              </a:extLst>
+            </p:cNvPr>
+            <p:cNvCxnSpPr>
+              <a:cxnSpLocks/>
+              <a:stCxn id="53" idx="5"/>
+              <a:endCxn id="56" idx="0"/>
+            </p:cNvCxnSpPr>
+            <p:nvPr/>
+          </p:nvCxnSpPr>
+          <p:spPr>
+            <a:xfrm>
+              <a:off x="1346591" y="3997511"/>
+              <a:ext cx="297287" cy="350032"/>
+            </a:xfrm>
+            <a:prstGeom prst="line">
+              <a:avLst/>
+            </a:prstGeom>
+          </p:spPr>
+          <p:style>
+            <a:lnRef idx="1">
+              <a:schemeClr val="dk1"/>
+            </a:lnRef>
+            <a:fillRef idx="0">
+              <a:schemeClr val="dk1"/>
+            </a:fillRef>
+            <a:effectRef idx="0">
+              <a:schemeClr val="dk1"/>
+            </a:effectRef>
+            <a:fontRef idx="minor">
+              <a:schemeClr val="tx1"/>
+            </a:fontRef>
+          </p:style>
+        </p:cxnSp>
+        <p:cxnSp>
+          <p:nvCxnSpPr>
+            <p:cNvPr id="62" name="Straight Connector 61">
+              <a:extLst>
+                <a:ext uri="{FF2B5EF4-FFF2-40B4-BE49-F238E27FC236}">
+                  <a16:creationId xmlns:a16="http://schemas.microsoft.com/office/drawing/2014/main" id="{961CADBB-253E-4345-8DCC-C90212EBC7AD}"/>
+                </a:ext>
+              </a:extLst>
+            </p:cNvPr>
+            <p:cNvCxnSpPr>
+              <a:cxnSpLocks/>
+              <a:stCxn id="56" idx="6"/>
+              <a:endCxn id="54" idx="2"/>
+            </p:cNvCxnSpPr>
+            <p:nvPr/>
+          </p:nvCxnSpPr>
+          <p:spPr>
+            <a:xfrm>
+              <a:off x="1872478" y="4576143"/>
+              <a:ext cx="460696" cy="0"/>
+            </a:xfrm>
+            <a:prstGeom prst="line">
+              <a:avLst/>
+            </a:prstGeom>
+          </p:spPr>
+          <p:style>
+            <a:lnRef idx="1">
+              <a:schemeClr val="dk1"/>
+            </a:lnRef>
+            <a:fillRef idx="0">
+              <a:schemeClr val="dk1"/>
+            </a:fillRef>
+            <a:effectRef idx="0">
+              <a:schemeClr val="dk1"/>
+            </a:effectRef>
+            <a:fontRef idx="minor">
+              <a:schemeClr val="tx1"/>
+            </a:fontRef>
+          </p:style>
+        </p:cxnSp>
+        <p:cxnSp>
+          <p:nvCxnSpPr>
+            <p:cNvPr id="63" name="Straight Connector 62">
+              <a:extLst>
+                <a:ext uri="{FF2B5EF4-FFF2-40B4-BE49-F238E27FC236}">
+                  <a16:creationId xmlns:a16="http://schemas.microsoft.com/office/drawing/2014/main" id="{98B626C8-37C5-43FB-9DDE-342826DF74D6}"/>
+                </a:ext>
+              </a:extLst>
+            </p:cNvPr>
+            <p:cNvCxnSpPr>
+              <a:cxnSpLocks/>
+            </p:cNvCxnSpPr>
+            <p:nvPr/>
+          </p:nvCxnSpPr>
+          <p:spPr>
+            <a:xfrm>
+              <a:off x="2263391" y="4001705"/>
+              <a:ext cx="299051" cy="345838"/>
+            </a:xfrm>
+            <a:prstGeom prst="line">
+              <a:avLst/>
+            </a:prstGeom>
+          </p:spPr>
+          <p:style>
+            <a:lnRef idx="1">
+              <a:schemeClr val="dk1"/>
+            </a:lnRef>
+            <a:fillRef idx="0">
+              <a:schemeClr val="dk1"/>
+            </a:fillRef>
+            <a:effectRef idx="0">
+              <a:schemeClr val="dk1"/>
+            </a:effectRef>
+            <a:fontRef idx="minor">
+              <a:schemeClr val="tx1"/>
+            </a:fontRef>
+          </p:style>
+        </p:cxnSp>
+        <p:cxnSp>
+          <p:nvCxnSpPr>
+            <p:cNvPr id="64" name="Straight Connector 63">
+              <a:extLst>
+                <a:ext uri="{FF2B5EF4-FFF2-40B4-BE49-F238E27FC236}">
+                  <a16:creationId xmlns:a16="http://schemas.microsoft.com/office/drawing/2014/main" id="{8BD674EC-C06E-470C-B7CD-E337F49A32E6}"/>
+                </a:ext>
+              </a:extLst>
+            </p:cNvPr>
+            <p:cNvCxnSpPr>
+              <a:cxnSpLocks/>
+              <a:stCxn id="54" idx="0"/>
+              <a:endCxn id="59" idx="3"/>
+            </p:cNvCxnSpPr>
+            <p:nvPr/>
+          </p:nvCxnSpPr>
+          <p:spPr>
+            <a:xfrm flipV="1">
+              <a:off x="2561774" y="3997511"/>
+              <a:ext cx="293791" cy="350032"/>
+            </a:xfrm>
+            <a:prstGeom prst="line">
+              <a:avLst/>
+            </a:prstGeom>
+          </p:spPr>
+          <p:style>
+            <a:lnRef idx="1">
+              <a:schemeClr val="dk1"/>
+            </a:lnRef>
+            <a:fillRef idx="0">
+              <a:schemeClr val="dk1"/>
+            </a:fillRef>
+            <a:effectRef idx="0">
+              <a:schemeClr val="dk1"/>
+            </a:effectRef>
+            <a:fontRef idx="minor">
+              <a:schemeClr val="tx1"/>
+            </a:fontRef>
+          </p:style>
+        </p:cxnSp>
+        <p:cxnSp>
+          <p:nvCxnSpPr>
+            <p:cNvPr id="65" name="Straight Connector 64">
+              <a:extLst>
+                <a:ext uri="{FF2B5EF4-FFF2-40B4-BE49-F238E27FC236}">
+                  <a16:creationId xmlns:a16="http://schemas.microsoft.com/office/drawing/2014/main" id="{146B0D71-D8FF-45E4-BB33-E0649EA85D77}"/>
+                </a:ext>
+              </a:extLst>
+            </p:cNvPr>
+            <p:cNvCxnSpPr>
+              <a:cxnSpLocks/>
+              <a:stCxn id="54" idx="4"/>
+              <a:endCxn id="55" idx="1"/>
+            </p:cNvCxnSpPr>
+            <p:nvPr/>
+          </p:nvCxnSpPr>
+          <p:spPr>
+            <a:xfrm>
+              <a:off x="2561774" y="4804743"/>
+              <a:ext cx="293791" cy="345838"/>
+            </a:xfrm>
+            <a:prstGeom prst="line">
+              <a:avLst/>
+            </a:prstGeom>
+          </p:spPr>
+          <p:style>
+            <a:lnRef idx="1">
+              <a:schemeClr val="dk1"/>
+            </a:lnRef>
+            <a:fillRef idx="0">
+              <a:schemeClr val="dk1"/>
+            </a:fillRef>
+            <a:effectRef idx="0">
+              <a:schemeClr val="dk1"/>
+            </a:effectRef>
+            <a:fontRef idx="minor">
+              <a:schemeClr val="tx1"/>
+            </a:fontRef>
+          </p:style>
+        </p:cxnSp>
+        <p:sp>
+          <p:nvSpPr>
+            <p:cNvPr id="66" name="TextBox 65">
+              <a:extLst>
+                <a:ext uri="{FF2B5EF4-FFF2-40B4-BE49-F238E27FC236}">
+                  <a16:creationId xmlns:a16="http://schemas.microsoft.com/office/drawing/2014/main" id="{8F4E3974-E478-4CFE-A2FC-8EDF9B8BB1B0}"/>
+                </a:ext>
+              </a:extLst>
+            </p:cNvPr>
+            <p:cNvSpPr txBox="1"/>
+            <p:nvPr/>
+          </p:nvSpPr>
+          <p:spPr>
+            <a:xfrm flipH="1">
+              <a:off x="3332254" y="3488767"/>
+              <a:ext cx="1421448" cy="2308324"/>
+            </a:xfrm>
+            <a:prstGeom prst="rect">
+              <a:avLst/>
+            </a:prstGeom>
+            <a:noFill/>
+          </p:spPr>
+          <p:txBody>
+            <a:bodyPr wrap="square" rtlCol="0">
+              <a:spAutoFit/>
+            </a:bodyPr>
+            <a:lstStyle/>
+            <a:p>
+              <a:r>
+                <a:rPr lang="en-US" dirty="0">
+                  <a:latin typeface="Times New Roman" panose="02020603050405020304" pitchFamily="18" charset="0"/>
+                  <a:cs typeface="Times New Roman" panose="02020603050405020304" pitchFamily="18" charset="0"/>
+                </a:rPr>
+                <a:t>A: B, C</a:t>
+              </a:r>
+            </a:p>
+            <a:p>
+              <a:r>
+                <a:rPr lang="en-US" dirty="0">
+                  <a:latin typeface="Times New Roman" panose="02020603050405020304" pitchFamily="18" charset="0"/>
+                  <a:cs typeface="Times New Roman" panose="02020603050405020304" pitchFamily="18" charset="0"/>
+                </a:rPr>
+                <a:t>B: A</a:t>
+              </a:r>
+            </a:p>
+            <a:p>
+              <a:r>
+                <a:rPr lang="en-US" dirty="0">
+                  <a:latin typeface="Times New Roman" panose="02020603050405020304" pitchFamily="18" charset="0"/>
+                  <a:cs typeface="Times New Roman" panose="02020603050405020304" pitchFamily="18" charset="0"/>
+                </a:rPr>
+                <a:t>C: A, F</a:t>
+              </a:r>
+            </a:p>
+            <a:p>
+              <a:r>
+                <a:rPr lang="en-US" dirty="0">
+                  <a:latin typeface="Times New Roman" panose="02020603050405020304" pitchFamily="18" charset="0"/>
+                  <a:cs typeface="Times New Roman" panose="02020603050405020304" pitchFamily="18" charset="0"/>
+                </a:rPr>
+                <a:t>D: F</a:t>
+              </a:r>
+            </a:p>
+            <a:p>
+              <a:r>
+                <a:rPr lang="en-US" dirty="0">
+                  <a:latin typeface="Times New Roman" panose="02020603050405020304" pitchFamily="18" charset="0"/>
+                  <a:cs typeface="Times New Roman" panose="02020603050405020304" pitchFamily="18" charset="0"/>
+                </a:rPr>
+                <a:t>E: F</a:t>
+              </a:r>
+            </a:p>
+            <a:p>
+              <a:r>
+                <a:rPr lang="en-US" dirty="0">
+                  <a:latin typeface="Times New Roman" panose="02020603050405020304" pitchFamily="18" charset="0"/>
+                  <a:cs typeface="Times New Roman" panose="02020603050405020304" pitchFamily="18" charset="0"/>
+                </a:rPr>
+                <a:t>F: C, D, E, G</a:t>
+              </a:r>
+            </a:p>
+            <a:p>
+              <a:r>
+                <a:rPr lang="en-US" dirty="0">
+                  <a:latin typeface="Times New Roman" panose="02020603050405020304" pitchFamily="18" charset="0"/>
+                  <a:cs typeface="Times New Roman" panose="02020603050405020304" pitchFamily="18" charset="0"/>
+                </a:rPr>
+                <a:t>G: F</a:t>
+              </a:r>
+            </a:p>
+            <a:p>
+              <a:endParaRPr lang="en-US" dirty="0">
+                <a:latin typeface="Times New Roman" panose="02020603050405020304" pitchFamily="18" charset="0"/>
+                <a:cs typeface="Times New Roman" panose="02020603050405020304" pitchFamily="18" charset="0"/>
+              </a:endParaRPr>
+            </a:p>
+          </p:txBody>
+        </p:sp>
+        <p:sp>
+          <p:nvSpPr>
+            <p:cNvPr id="67" name="TextBox 66">
+              <a:extLst>
+                <a:ext uri="{FF2B5EF4-FFF2-40B4-BE49-F238E27FC236}">
+                  <a16:creationId xmlns:a16="http://schemas.microsoft.com/office/drawing/2014/main" id="{5109E193-84E9-413F-8478-5E78D7205E72}"/>
+                </a:ext>
+              </a:extLst>
+            </p:cNvPr>
+            <p:cNvSpPr txBox="1"/>
+            <p:nvPr/>
+          </p:nvSpPr>
+          <p:spPr>
+            <a:xfrm>
+              <a:off x="853580" y="3111046"/>
+              <a:ext cx="1476098" cy="369332"/>
+            </a:xfrm>
+            <a:prstGeom prst="rect">
+              <a:avLst/>
+            </a:prstGeom>
+            <a:noFill/>
+          </p:spPr>
+          <p:txBody>
+            <a:bodyPr wrap="square" rtlCol="0">
+              <a:spAutoFit/>
+            </a:bodyPr>
+            <a:lstStyle/>
+            <a:p>
+              <a:r>
+                <a:rPr lang="en-US" dirty="0">
+                  <a:latin typeface="Times New Roman" panose="02020603050405020304" pitchFamily="18" charset="0"/>
+                  <a:cs typeface="Times New Roman" panose="02020603050405020304" pitchFamily="18" charset="0"/>
+                </a:rPr>
+                <a:t>Graph G:</a:t>
+              </a:r>
+            </a:p>
+          </p:txBody>
+        </p:sp>
+      </p:grpSp>
+      <p:sp>
+        <p:nvSpPr>
+          <p:cNvPr id="68" name="TextBox 67">
+            <a:extLst>
+              <a:ext uri="{FF2B5EF4-FFF2-40B4-BE49-F238E27FC236}">
+                <a16:creationId xmlns:a16="http://schemas.microsoft.com/office/drawing/2014/main" id="{32BE1963-AD9E-41A2-BE98-292A1A997B49}"/>
+              </a:ext>
+            </a:extLst>
+          </p:cNvPr>
+          <p:cNvSpPr txBox="1"/>
+          <p:nvPr/>
+        </p:nvSpPr>
+        <p:spPr>
+          <a:xfrm>
+            <a:off x="891280" y="4907560"/>
+            <a:ext cx="237740" cy="369332"/>
+          </a:xfrm>
+          <a:prstGeom prst="rect">
+            <a:avLst/>
+          </a:prstGeom>
+          <a:noFill/>
+        </p:spPr>
+        <p:txBody>
+          <a:bodyPr wrap="square" rtlCol="0">
+            <a:spAutoFit/>
+          </a:bodyPr>
+          <a:lstStyle/>
+          <a:p>
+            <a:r>
+              <a:rPr lang="en-US" dirty="0">
+                <a:latin typeface="Times New Roman" panose="02020603050405020304" pitchFamily="18" charset="0"/>
+                <a:cs typeface="Times New Roman" panose="02020603050405020304" pitchFamily="18" charset="0"/>
+              </a:rPr>
+              <a:t>1</a:t>
+            </a:r>
+          </a:p>
+        </p:txBody>
+      </p:sp>
+      <p:sp>
+        <p:nvSpPr>
+          <p:cNvPr id="69" name="TextBox 68">
+            <a:extLst>
+              <a:ext uri="{FF2B5EF4-FFF2-40B4-BE49-F238E27FC236}">
+                <a16:creationId xmlns:a16="http://schemas.microsoft.com/office/drawing/2014/main" id="{85818549-11A3-43A1-ACCA-0894333A17A2}"/>
+              </a:ext>
+            </a:extLst>
+          </p:cNvPr>
+          <p:cNvSpPr txBox="1"/>
+          <p:nvPr/>
+        </p:nvSpPr>
+        <p:spPr>
+          <a:xfrm>
+            <a:off x="1244767" y="4630324"/>
+            <a:ext cx="237740" cy="369332"/>
+          </a:xfrm>
+          <a:prstGeom prst="rect">
+            <a:avLst/>
+          </a:prstGeom>
+          <a:noFill/>
+        </p:spPr>
+        <p:txBody>
+          <a:bodyPr wrap="square" rtlCol="0">
+            <a:spAutoFit/>
+          </a:bodyPr>
+          <a:lstStyle/>
+          <a:p>
+            <a:r>
+              <a:rPr lang="en-US" dirty="0">
+                <a:latin typeface="Times New Roman" panose="02020603050405020304" pitchFamily="18" charset="0"/>
+                <a:cs typeface="Times New Roman" panose="02020603050405020304" pitchFamily="18" charset="0"/>
+              </a:rPr>
+              <a:t>2</a:t>
+            </a:r>
+          </a:p>
+        </p:txBody>
+      </p:sp>
+      <p:sp>
+        <p:nvSpPr>
+          <p:cNvPr id="70" name="TextBox 69">
+            <a:extLst>
+              <a:ext uri="{FF2B5EF4-FFF2-40B4-BE49-F238E27FC236}">
+                <a16:creationId xmlns:a16="http://schemas.microsoft.com/office/drawing/2014/main" id="{32B4B964-BB4E-4F26-AFEF-A98000025F5C}"/>
+              </a:ext>
+            </a:extLst>
+          </p:cNvPr>
+          <p:cNvSpPr txBox="1"/>
+          <p:nvPr/>
+        </p:nvSpPr>
+        <p:spPr>
+          <a:xfrm>
+            <a:off x="1949551" y="4867345"/>
+            <a:ext cx="237740" cy="369332"/>
+          </a:xfrm>
+          <a:prstGeom prst="rect">
+            <a:avLst/>
+          </a:prstGeom>
+          <a:noFill/>
+        </p:spPr>
+        <p:txBody>
+          <a:bodyPr wrap="square" rtlCol="0">
+            <a:spAutoFit/>
+          </a:bodyPr>
+          <a:lstStyle/>
+          <a:p>
+            <a:r>
+              <a:rPr lang="en-US" dirty="0">
+                <a:latin typeface="Times New Roman" panose="02020603050405020304" pitchFamily="18" charset="0"/>
+                <a:cs typeface="Times New Roman" panose="02020603050405020304" pitchFamily="18" charset="0"/>
+              </a:rPr>
+              <a:t>3</a:t>
+            </a:r>
+          </a:p>
+        </p:txBody>
+      </p:sp>
+      <p:sp>
+        <p:nvSpPr>
+          <p:cNvPr id="71" name="TextBox 70">
+            <a:extLst>
+              <a:ext uri="{FF2B5EF4-FFF2-40B4-BE49-F238E27FC236}">
+                <a16:creationId xmlns:a16="http://schemas.microsoft.com/office/drawing/2014/main" id="{C59A62C1-E7CA-4BD5-86EF-5652D55975DD}"/>
+              </a:ext>
+            </a:extLst>
+          </p:cNvPr>
+          <p:cNvSpPr txBox="1"/>
+          <p:nvPr/>
+        </p:nvSpPr>
+        <p:spPr>
+          <a:xfrm>
+            <a:off x="2164033" y="4682679"/>
+            <a:ext cx="237740" cy="369332"/>
+          </a:xfrm>
+          <a:prstGeom prst="rect">
+            <a:avLst/>
+          </a:prstGeom>
+          <a:noFill/>
+        </p:spPr>
+        <p:txBody>
+          <a:bodyPr wrap="square" rtlCol="0">
+            <a:spAutoFit/>
+          </a:bodyPr>
+          <a:lstStyle/>
+          <a:p>
+            <a:r>
+              <a:rPr lang="en-US" dirty="0">
+                <a:latin typeface="Times New Roman" panose="02020603050405020304" pitchFamily="18" charset="0"/>
+                <a:cs typeface="Times New Roman" panose="02020603050405020304" pitchFamily="18" charset="0"/>
+              </a:rPr>
+              <a:t>4</a:t>
+            </a:r>
+          </a:p>
+        </p:txBody>
+      </p:sp>
+      <p:sp>
+        <p:nvSpPr>
+          <p:cNvPr id="72" name="TextBox 71">
+            <a:extLst>
+              <a:ext uri="{FF2B5EF4-FFF2-40B4-BE49-F238E27FC236}">
+                <a16:creationId xmlns:a16="http://schemas.microsoft.com/office/drawing/2014/main" id="{9D0B727E-E9C0-43FB-994E-D619B99D8A20}"/>
+              </a:ext>
+            </a:extLst>
+          </p:cNvPr>
+          <p:cNvSpPr txBox="1"/>
+          <p:nvPr/>
+        </p:nvSpPr>
+        <p:spPr>
+          <a:xfrm>
+            <a:off x="2453941" y="4482685"/>
+            <a:ext cx="237740" cy="369332"/>
+          </a:xfrm>
+          <a:prstGeom prst="rect">
+            <a:avLst/>
+          </a:prstGeom>
+          <a:noFill/>
+        </p:spPr>
+        <p:txBody>
+          <a:bodyPr wrap="square" rtlCol="0">
+            <a:spAutoFit/>
+          </a:bodyPr>
+          <a:lstStyle/>
+          <a:p>
+            <a:r>
+              <a:rPr lang="en-US" dirty="0">
+                <a:latin typeface="Times New Roman" panose="02020603050405020304" pitchFamily="18" charset="0"/>
+                <a:cs typeface="Times New Roman" panose="02020603050405020304" pitchFamily="18" charset="0"/>
+              </a:rPr>
+              <a:t>5</a:t>
+            </a:r>
+          </a:p>
+        </p:txBody>
+      </p:sp>
+      <p:sp>
+        <p:nvSpPr>
+          <p:cNvPr id="73" name="TextBox 72">
+            <a:extLst>
+              <a:ext uri="{FF2B5EF4-FFF2-40B4-BE49-F238E27FC236}">
+                <a16:creationId xmlns:a16="http://schemas.microsoft.com/office/drawing/2014/main" id="{2125F62F-BB45-4DDF-B81F-6CFB91B5E05B}"/>
+              </a:ext>
+            </a:extLst>
+          </p:cNvPr>
+          <p:cNvSpPr txBox="1"/>
+          <p:nvPr/>
+        </p:nvSpPr>
+        <p:spPr>
+          <a:xfrm>
+            <a:off x="2428192" y="5505606"/>
+            <a:ext cx="237740" cy="369332"/>
+          </a:xfrm>
+          <a:prstGeom prst="rect">
+            <a:avLst/>
+          </a:prstGeom>
+          <a:noFill/>
+        </p:spPr>
+        <p:txBody>
+          <a:bodyPr wrap="square" rtlCol="0">
+            <a:spAutoFit/>
+          </a:bodyPr>
+          <a:lstStyle/>
+          <a:p>
+            <a:r>
+              <a:rPr lang="en-US" dirty="0">
+                <a:latin typeface="Times New Roman" panose="02020603050405020304" pitchFamily="18" charset="0"/>
+                <a:cs typeface="Times New Roman" panose="02020603050405020304" pitchFamily="18" charset="0"/>
+              </a:rPr>
+              <a:t>6</a:t>
+            </a:r>
+          </a:p>
+        </p:txBody>
+      </p:sp>
+      <p:sp>
+        <p:nvSpPr>
+          <p:cNvPr id="74" name="TextBox 73">
+            <a:extLst>
+              <a:ext uri="{FF2B5EF4-FFF2-40B4-BE49-F238E27FC236}">
+                <a16:creationId xmlns:a16="http://schemas.microsoft.com/office/drawing/2014/main" id="{2B03121B-8608-469D-9E18-8F3EF8658588}"/>
+              </a:ext>
+            </a:extLst>
+          </p:cNvPr>
+          <p:cNvSpPr txBox="1"/>
+          <p:nvPr/>
+        </p:nvSpPr>
+        <p:spPr>
+          <a:xfrm>
+            <a:off x="7924131" y="3747782"/>
+            <a:ext cx="2989277" cy="3600986"/>
+          </a:xfrm>
+          <a:prstGeom prst="rect">
+            <a:avLst/>
+          </a:prstGeom>
+          <a:noFill/>
+        </p:spPr>
+        <p:txBody>
+          <a:bodyPr wrap="square" rtlCol="0">
+            <a:spAutoFit/>
+          </a:bodyPr>
+          <a:lstStyle/>
+          <a:p>
+            <a:r>
+              <a:rPr lang="en-US" dirty="0">
+                <a:latin typeface="Times New Roman" panose="02020603050405020304" pitchFamily="18" charset="0"/>
+                <a:cs typeface="Times New Roman" panose="02020603050405020304" pitchFamily="18" charset="0"/>
+              </a:rPr>
+              <a:t>Set Cover:</a:t>
+            </a:r>
+          </a:p>
+          <a:p>
+            <a:r>
+              <a:rPr lang="en-US" dirty="0">
+                <a:latin typeface="Times New Roman" panose="02020603050405020304" pitchFamily="18" charset="0"/>
+                <a:cs typeface="Times New Roman" panose="02020603050405020304" pitchFamily="18" charset="0"/>
+              </a:rPr>
+              <a:t>U = {1, 2, 3, 4, 5, 6}</a:t>
+            </a:r>
+          </a:p>
+          <a:p>
+            <a:r>
+              <a:rPr lang="en-US" dirty="0">
+                <a:latin typeface="Times New Roman" panose="02020603050405020304" pitchFamily="18" charset="0"/>
+                <a:cs typeface="Times New Roman" panose="02020603050405020304" pitchFamily="18" charset="0"/>
+              </a:rPr>
+              <a:t>k = |S| = 2</a:t>
+            </a:r>
+          </a:p>
+          <a:p>
+            <a:r>
+              <a:rPr lang="en-US" dirty="0">
+                <a:solidFill>
+                  <a:srgbClr val="FF0000"/>
+                </a:solidFill>
+                <a:latin typeface="Times New Roman" panose="02020603050405020304" pitchFamily="18" charset="0"/>
+                <a:cs typeface="Times New Roman" panose="02020603050405020304" pitchFamily="18" charset="0"/>
+              </a:rPr>
+              <a:t>S</a:t>
+            </a:r>
+            <a:r>
+              <a:rPr lang="en-US" baseline="-25000" dirty="0">
+                <a:solidFill>
+                  <a:srgbClr val="FF0000"/>
+                </a:solidFill>
+                <a:latin typeface="Times New Roman" panose="02020603050405020304" pitchFamily="18" charset="0"/>
+                <a:cs typeface="Times New Roman" panose="02020603050405020304" pitchFamily="18" charset="0"/>
+              </a:rPr>
+              <a:t>A</a:t>
+            </a:r>
+            <a:r>
+              <a:rPr lang="en-US" dirty="0">
+                <a:solidFill>
+                  <a:srgbClr val="FF0000"/>
+                </a:solidFill>
+                <a:latin typeface="Times New Roman" panose="02020603050405020304" pitchFamily="18" charset="0"/>
+                <a:cs typeface="Times New Roman" panose="02020603050405020304" pitchFamily="18" charset="0"/>
+              </a:rPr>
+              <a:t> = {1, 2}</a:t>
+            </a:r>
+          </a:p>
+          <a:p>
+            <a:r>
+              <a:rPr lang="en-US" dirty="0">
+                <a:latin typeface="Times New Roman" panose="02020603050405020304" pitchFamily="18" charset="0"/>
+                <a:cs typeface="Times New Roman" panose="02020603050405020304" pitchFamily="18" charset="0"/>
+              </a:rPr>
+              <a:t>S</a:t>
+            </a:r>
+            <a:r>
+              <a:rPr lang="en-US" baseline="-25000" dirty="0">
+                <a:latin typeface="Times New Roman" panose="02020603050405020304" pitchFamily="18" charset="0"/>
+                <a:cs typeface="Times New Roman" panose="02020603050405020304" pitchFamily="18" charset="0"/>
+              </a:rPr>
+              <a:t>B</a:t>
+            </a:r>
+            <a:r>
+              <a:rPr lang="en-US" dirty="0">
+                <a:latin typeface="Times New Roman" panose="02020603050405020304" pitchFamily="18" charset="0"/>
+                <a:cs typeface="Times New Roman" panose="02020603050405020304" pitchFamily="18" charset="0"/>
+              </a:rPr>
+              <a:t> = {1,}</a:t>
+            </a:r>
+          </a:p>
+          <a:p>
+            <a:r>
+              <a:rPr lang="en-US" dirty="0">
+                <a:latin typeface="Times New Roman" panose="02020603050405020304" pitchFamily="18" charset="0"/>
+                <a:cs typeface="Times New Roman" panose="02020603050405020304" pitchFamily="18" charset="0"/>
+              </a:rPr>
+              <a:t>S</a:t>
+            </a:r>
+            <a:r>
+              <a:rPr lang="en-US" baseline="-25000" dirty="0">
+                <a:latin typeface="Times New Roman" panose="02020603050405020304" pitchFamily="18" charset="0"/>
+                <a:cs typeface="Times New Roman" panose="02020603050405020304" pitchFamily="18" charset="0"/>
+              </a:rPr>
+              <a:t>C</a:t>
+            </a:r>
+            <a:r>
+              <a:rPr lang="en-US" dirty="0">
+                <a:latin typeface="Times New Roman" panose="02020603050405020304" pitchFamily="18" charset="0"/>
+                <a:cs typeface="Times New Roman" panose="02020603050405020304" pitchFamily="18" charset="0"/>
+              </a:rPr>
+              <a:t> = {2, 3}</a:t>
+            </a:r>
+          </a:p>
+          <a:p>
+            <a:r>
+              <a:rPr lang="en-US" dirty="0">
+                <a:latin typeface="Times New Roman" panose="02020603050405020304" pitchFamily="18" charset="0"/>
+                <a:cs typeface="Times New Roman" panose="02020603050405020304" pitchFamily="18" charset="0"/>
+              </a:rPr>
+              <a:t>S</a:t>
+            </a:r>
+            <a:r>
+              <a:rPr lang="en-US" baseline="-25000" dirty="0">
+                <a:latin typeface="Times New Roman" panose="02020603050405020304" pitchFamily="18" charset="0"/>
+                <a:cs typeface="Times New Roman" panose="02020603050405020304" pitchFamily="18" charset="0"/>
+              </a:rPr>
+              <a:t>D</a:t>
+            </a:r>
+            <a:r>
+              <a:rPr lang="en-US" dirty="0">
+                <a:latin typeface="Times New Roman" panose="02020603050405020304" pitchFamily="18" charset="0"/>
+                <a:cs typeface="Times New Roman" panose="02020603050405020304" pitchFamily="18" charset="0"/>
+              </a:rPr>
+              <a:t> = {4}</a:t>
+            </a:r>
+          </a:p>
+          <a:p>
+            <a:r>
+              <a:rPr lang="en-US" dirty="0">
+                <a:latin typeface="Times New Roman" panose="02020603050405020304" pitchFamily="18" charset="0"/>
+                <a:cs typeface="Times New Roman" panose="02020603050405020304" pitchFamily="18" charset="0"/>
+              </a:rPr>
+              <a:t>S</a:t>
+            </a:r>
+            <a:r>
+              <a:rPr lang="en-US" baseline="-25000" dirty="0">
+                <a:latin typeface="Times New Roman" panose="02020603050405020304" pitchFamily="18" charset="0"/>
+                <a:cs typeface="Times New Roman" panose="02020603050405020304" pitchFamily="18" charset="0"/>
+              </a:rPr>
+              <a:t>E</a:t>
+            </a:r>
+            <a:r>
+              <a:rPr lang="en-US" dirty="0">
+                <a:latin typeface="Times New Roman" panose="02020603050405020304" pitchFamily="18" charset="0"/>
+                <a:cs typeface="Times New Roman" panose="02020603050405020304" pitchFamily="18" charset="0"/>
+              </a:rPr>
+              <a:t> = {5}</a:t>
+            </a:r>
+          </a:p>
+          <a:p>
+            <a:r>
+              <a:rPr lang="en-US" dirty="0">
+                <a:solidFill>
+                  <a:srgbClr val="FF0000"/>
+                </a:solidFill>
+                <a:latin typeface="Times New Roman" panose="02020603050405020304" pitchFamily="18" charset="0"/>
+                <a:cs typeface="Times New Roman" panose="02020603050405020304" pitchFamily="18" charset="0"/>
+              </a:rPr>
+              <a:t>S</a:t>
+            </a:r>
+            <a:r>
+              <a:rPr lang="en-US" baseline="-25000" dirty="0">
+                <a:solidFill>
+                  <a:srgbClr val="FF0000"/>
+                </a:solidFill>
+                <a:latin typeface="Times New Roman" panose="02020603050405020304" pitchFamily="18" charset="0"/>
+                <a:cs typeface="Times New Roman" panose="02020603050405020304" pitchFamily="18" charset="0"/>
+              </a:rPr>
+              <a:t>F</a:t>
+            </a:r>
+            <a:r>
+              <a:rPr lang="en-US" dirty="0">
+                <a:solidFill>
+                  <a:srgbClr val="FF0000"/>
+                </a:solidFill>
+                <a:latin typeface="Times New Roman" panose="02020603050405020304" pitchFamily="18" charset="0"/>
+                <a:cs typeface="Times New Roman" panose="02020603050405020304" pitchFamily="18" charset="0"/>
+              </a:rPr>
+              <a:t> = {3, 4, 5, 6}</a:t>
+            </a:r>
+          </a:p>
+          <a:p>
+            <a:r>
+              <a:rPr lang="en-US" dirty="0">
+                <a:latin typeface="Times New Roman" panose="02020603050405020304" pitchFamily="18" charset="0"/>
+                <a:cs typeface="Times New Roman" panose="02020603050405020304" pitchFamily="18" charset="0"/>
+              </a:rPr>
+              <a:t>S</a:t>
+            </a:r>
+            <a:r>
+              <a:rPr lang="en-US" baseline="-25000" dirty="0">
+                <a:latin typeface="Times New Roman" panose="02020603050405020304" pitchFamily="18" charset="0"/>
+                <a:cs typeface="Times New Roman" panose="02020603050405020304" pitchFamily="18" charset="0"/>
+              </a:rPr>
+              <a:t>G</a:t>
+            </a:r>
+            <a:r>
+              <a:rPr lang="en-US" dirty="0">
+                <a:latin typeface="Times New Roman" panose="02020603050405020304" pitchFamily="18" charset="0"/>
+                <a:cs typeface="Times New Roman" panose="02020603050405020304" pitchFamily="18" charset="0"/>
+              </a:rPr>
+              <a:t> = {6}</a:t>
+            </a:r>
+          </a:p>
+          <a:p>
+            <a:endParaRPr lang="en-US" dirty="0">
+              <a:latin typeface="Times New Roman" panose="02020603050405020304" pitchFamily="18" charset="0"/>
+              <a:cs typeface="Times New Roman" panose="02020603050405020304" pitchFamily="18" charset="0"/>
+            </a:endParaRPr>
+          </a:p>
+          <a:p>
+            <a:endParaRPr lang="en-US" baseline="-25000" dirty="0">
+              <a:latin typeface="Times New Roman" panose="02020603050405020304" pitchFamily="18" charset="0"/>
+              <a:cs typeface="Times New Roman" panose="02020603050405020304" pitchFamily="18" charset="0"/>
+            </a:endParaRPr>
+          </a:p>
+          <a:p>
+            <a:endParaRPr lang="en-US" dirty="0">
+              <a:latin typeface="Times New Roman" panose="02020603050405020304" pitchFamily="18" charset="0"/>
+              <a:cs typeface="Times New Roman" panose="02020603050405020304" pitchFamily="18" charset="0"/>
+            </a:endParaRPr>
+          </a:p>
+        </p:txBody>
+      </p:sp>
+      <p:sp>
+        <p:nvSpPr>
+          <p:cNvPr id="75" name="TextBox 74">
+            <a:extLst>
+              <a:ext uri="{FF2B5EF4-FFF2-40B4-BE49-F238E27FC236}">
+                <a16:creationId xmlns:a16="http://schemas.microsoft.com/office/drawing/2014/main" id="{A3E66A75-849C-4576-873F-4DB19FA37459}"/>
+              </a:ext>
+            </a:extLst>
+          </p:cNvPr>
+          <p:cNvSpPr txBox="1"/>
+          <p:nvPr/>
+        </p:nvSpPr>
+        <p:spPr>
+          <a:xfrm>
+            <a:off x="5310149" y="3747782"/>
+            <a:ext cx="2336549" cy="923330"/>
+          </a:xfrm>
+          <a:prstGeom prst="rect">
+            <a:avLst/>
+          </a:prstGeom>
+          <a:noFill/>
+        </p:spPr>
+        <p:txBody>
+          <a:bodyPr wrap="square" rtlCol="0">
+            <a:spAutoFit/>
+          </a:bodyPr>
+          <a:lstStyle/>
+          <a:p>
+            <a:r>
+              <a:rPr lang="en-US" dirty="0">
+                <a:latin typeface="Times New Roman" panose="02020603050405020304" pitchFamily="18" charset="0"/>
+                <a:cs typeface="Times New Roman" panose="02020603050405020304" pitchFamily="18" charset="0"/>
+              </a:rPr>
+              <a:t>Vertex Cover:</a:t>
+            </a:r>
+          </a:p>
+          <a:p>
+            <a:r>
+              <a:rPr lang="en-US" dirty="0">
+                <a:latin typeface="Times New Roman" panose="02020603050405020304" pitchFamily="18" charset="0"/>
+                <a:cs typeface="Times New Roman" panose="02020603050405020304" pitchFamily="18" charset="0"/>
+              </a:rPr>
+              <a:t>G = (V, E)</a:t>
+            </a:r>
+          </a:p>
+          <a:p>
+            <a:r>
+              <a:rPr lang="en-US" dirty="0">
+                <a:latin typeface="Times New Roman" panose="02020603050405020304" pitchFamily="18" charset="0"/>
+                <a:cs typeface="Times New Roman" panose="02020603050405020304" pitchFamily="18" charset="0"/>
+              </a:rPr>
+              <a:t>Output = S (A, F)</a:t>
+            </a:r>
+          </a:p>
+        </p:txBody>
+      </p:sp>
+    </p:spTree>
+    <p:extLst>
+      <p:ext uri="{BB962C8B-B14F-4D97-AF65-F5344CB8AC3E}">
+        <p14:creationId xmlns:p14="http://schemas.microsoft.com/office/powerpoint/2010/main" val="2213705066"/>
+      </p:ext>
+    </p:extLst>
+  </p:cSld>
+  <p:clrMapOvr>
+    <a:masterClrMapping/>
+  </p:clrMapOvr>
+</p:sld>
+</file>
+
+<file path=ppt/slides/slide7.xml><?xml version="1.0" encoding="utf-8"?>
+<p:sld xmlns:a="http://schemas.openxmlformats.org/drawingml/2006/main" xmlns:r="http://schemas.openxmlformats.org/officeDocument/2006/relationships" xmlns:p="http://schemas.openxmlformats.org/presentationml/2006/main">
+  <p:cSld>
+    <p:spTree>
+      <p:nvGrpSpPr>
+        <p:cNvPr id="1" name=""/>
+        <p:cNvGrpSpPr/>
+        <p:nvPr/>
+      </p:nvGrpSpPr>
+      <p:grpSpPr>
+        <a:xfrm>
+          <a:off x="0" y="0"/>
+          <a:ext cx="0" cy="0"/>
+          <a:chOff x="0" y="0"/>
+          <a:chExt cx="0" cy="0"/>
+        </a:xfrm>
+      </p:grpSpPr>
+      <p:sp>
+        <p:nvSpPr>
+          <p:cNvPr id="2" name="Title 1">
+            <a:extLst>
+              <a:ext uri="{FF2B5EF4-FFF2-40B4-BE49-F238E27FC236}">
+                <a16:creationId xmlns:a16="http://schemas.microsoft.com/office/drawing/2014/main" id="{2653FDC1-EA8D-40B7-AE1F-A29FE5E38D51}"/>
+              </a:ext>
+            </a:extLst>
+          </p:cNvPr>
+          <p:cNvSpPr>
+            <a:spLocks noGrp="1"/>
+          </p:cNvSpPr>
+          <p:nvPr>
+            <p:ph type="title"/>
+          </p:nvPr>
+        </p:nvSpPr>
+        <p:spPr/>
+        <p:txBody>
+          <a:bodyPr/>
+          <a:lstStyle/>
+          <a:p>
+            <a:r>
+              <a:rPr lang="en-US" dirty="0"/>
+              <a:t>Exact Solution (pseudocode)</a:t>
+            </a:r>
+          </a:p>
+        </p:txBody>
+      </p:sp>
+      <p:sp>
+        <p:nvSpPr>
+          <p:cNvPr id="3" name="Content Placeholder 2">
+            <a:extLst>
+              <a:ext uri="{FF2B5EF4-FFF2-40B4-BE49-F238E27FC236}">
+                <a16:creationId xmlns:a16="http://schemas.microsoft.com/office/drawing/2014/main" id="{B764EE7C-9DC1-4E5A-B9AC-21DA9953BEC1}"/>
+              </a:ext>
+            </a:extLst>
+          </p:cNvPr>
+          <p:cNvSpPr>
+            <a:spLocks noGrp="1"/>
+          </p:cNvSpPr>
+          <p:nvPr>
+            <p:ph idx="1"/>
+          </p:nvPr>
+        </p:nvSpPr>
+        <p:spPr/>
+        <p:txBody>
+          <a:bodyPr>
+            <a:normAutofit fontScale="55000" lnSpcReduction="20000"/>
+          </a:bodyPr>
+          <a:lstStyle/>
+          <a:p>
+            <a:pPr marL="0" indent="0">
+              <a:buNone/>
+            </a:pPr>
+            <a:r>
+              <a:rPr lang="en-US" dirty="0"/>
+              <a:t>generate all subsets of V in graph G</a:t>
+            </a:r>
+          </a:p>
+          <a:p>
+            <a:pPr marL="0" indent="0">
+              <a:buNone/>
+            </a:pPr>
+            <a:r>
+              <a:rPr lang="en-US" dirty="0" err="1"/>
+              <a:t>smallestSize</a:t>
+            </a:r>
+            <a:r>
+              <a:rPr lang="en-US" dirty="0"/>
+              <a:t> = inf</a:t>
+            </a:r>
+          </a:p>
+          <a:p>
+            <a:pPr marL="0" indent="0">
+              <a:buNone/>
+            </a:pPr>
+            <a:r>
+              <a:rPr lang="en-US" dirty="0" err="1"/>
+              <a:t>vertexCover</a:t>
+            </a:r>
+            <a:r>
+              <a:rPr lang="en-US" dirty="0"/>
+              <a:t> = []</a:t>
+            </a:r>
+          </a:p>
+          <a:p>
+            <a:pPr marL="0" indent="0">
+              <a:buNone/>
+            </a:pPr>
+            <a:r>
+              <a:rPr lang="en-US" dirty="0"/>
+              <a:t>for every subset</a:t>
+            </a:r>
+          </a:p>
+          <a:p>
+            <a:pPr marL="0" indent="0">
+              <a:buNone/>
+            </a:pPr>
+            <a:r>
+              <a:rPr lang="en-US" dirty="0"/>
+              <a:t>	</a:t>
+            </a:r>
+            <a:r>
+              <a:rPr lang="en-US" dirty="0" err="1"/>
+              <a:t>visitedEdges</a:t>
+            </a:r>
+            <a:r>
+              <a:rPr lang="en-US" dirty="0"/>
+              <a:t> = 0</a:t>
+            </a:r>
+          </a:p>
+          <a:p>
+            <a:pPr marL="0" indent="0">
+              <a:buNone/>
+            </a:pPr>
+            <a:r>
+              <a:rPr lang="en-US" dirty="0"/>
+              <a:t>	for each vertex u in the subset</a:t>
+            </a:r>
+          </a:p>
+          <a:p>
+            <a:pPr marL="0" indent="0">
+              <a:buNone/>
+            </a:pPr>
+            <a:r>
+              <a:rPr lang="en-US" dirty="0"/>
+              <a:t>		for each edge (u, v) of vertex u</a:t>
+            </a:r>
+          </a:p>
+          <a:p>
+            <a:pPr marL="0" indent="0">
+              <a:buNone/>
+            </a:pPr>
+            <a:r>
+              <a:rPr lang="en-US" dirty="0"/>
+              <a:t>			if (u, v) is not visited</a:t>
+            </a:r>
+          </a:p>
+          <a:p>
+            <a:pPr marL="0" indent="0">
+              <a:buNone/>
+            </a:pPr>
+            <a:r>
+              <a:rPr lang="en-US" dirty="0"/>
+              <a:t>				mark (u, v) as visited</a:t>
+            </a:r>
+          </a:p>
+          <a:p>
+            <a:pPr marL="0" indent="0">
+              <a:buNone/>
+            </a:pPr>
+            <a:r>
+              <a:rPr lang="en-US" dirty="0"/>
+              <a:t>				</a:t>
+            </a:r>
+            <a:r>
+              <a:rPr lang="en-US" dirty="0" err="1"/>
+              <a:t>visitedEdges</a:t>
+            </a:r>
+            <a:r>
+              <a:rPr lang="en-US" dirty="0"/>
+              <a:t>++</a:t>
+            </a:r>
+          </a:p>
+          <a:p>
+            <a:pPr marL="0" indent="0">
+              <a:buNone/>
+            </a:pPr>
+            <a:r>
+              <a:rPr lang="en-US" dirty="0"/>
+              <a:t>	if </a:t>
+            </a:r>
+            <a:r>
+              <a:rPr lang="en-US" dirty="0" err="1"/>
+              <a:t>visitedEdges</a:t>
+            </a:r>
+            <a:r>
+              <a:rPr lang="en-US" dirty="0"/>
+              <a:t> is equal to number of edges in graph G</a:t>
+            </a:r>
+          </a:p>
+          <a:p>
+            <a:pPr marL="0" indent="0">
+              <a:buNone/>
+            </a:pPr>
+            <a:r>
+              <a:rPr lang="en-US" dirty="0"/>
+              <a:t>		if size of subset is smaller than </a:t>
+            </a:r>
+            <a:r>
+              <a:rPr lang="en-US" dirty="0" err="1"/>
+              <a:t>smallestSize</a:t>
+            </a:r>
+            <a:endParaRPr lang="en-US" dirty="0"/>
+          </a:p>
+          <a:p>
+            <a:pPr marL="0" indent="0">
+              <a:buNone/>
+            </a:pPr>
+            <a:r>
+              <a:rPr lang="en-US" dirty="0"/>
+              <a:t>			</a:t>
+            </a:r>
+            <a:r>
+              <a:rPr lang="en-US" dirty="0" err="1"/>
+              <a:t>smallestSize</a:t>
+            </a:r>
+            <a:r>
+              <a:rPr lang="en-US" dirty="0"/>
+              <a:t> = size of subset</a:t>
+            </a:r>
+          </a:p>
+          <a:p>
+            <a:pPr marL="0" indent="0">
+              <a:buNone/>
+            </a:pPr>
+            <a:r>
+              <a:rPr lang="en-US" dirty="0"/>
+              <a:t>			</a:t>
+            </a:r>
+            <a:r>
+              <a:rPr lang="en-US" dirty="0" err="1"/>
+              <a:t>vertexCover</a:t>
+            </a:r>
+            <a:r>
+              <a:rPr lang="en-US" dirty="0"/>
+              <a:t> = subset</a:t>
+            </a:r>
+          </a:p>
+          <a:p>
+            <a:pPr marL="0" indent="0">
+              <a:buNone/>
+            </a:pPr>
+            <a:r>
+              <a:rPr lang="en-US" dirty="0"/>
+              <a:t>return </a:t>
+            </a:r>
+            <a:r>
+              <a:rPr lang="en-US" dirty="0" err="1"/>
+              <a:t>vertexCover</a:t>
+            </a:r>
+            <a:endParaRPr lang="en-US" dirty="0"/>
+          </a:p>
+        </p:txBody>
+      </p:sp>
+    </p:spTree>
+    <p:extLst>
+      <p:ext uri="{BB962C8B-B14F-4D97-AF65-F5344CB8AC3E}">
+        <p14:creationId xmlns:p14="http://schemas.microsoft.com/office/powerpoint/2010/main" val="3998626929"/>
+      </p:ext>
+    </p:extLst>
+  </p:cSld>
+  <p:clrMapOvr>
+    <a:masterClrMapping/>
+  </p:clrMapOvr>
+</p:sld>
+</file>
+
+<file path=ppt/slides/slide8.xml><?xml version="1.0" encoding="utf-8"?>
+<p:sld xmlns:a="http://schemas.openxmlformats.org/drawingml/2006/main" xmlns:r="http://schemas.openxmlformats.org/officeDocument/2006/relationships" xmlns:p="http://schemas.openxmlformats.org/presentationml/2006/main">
+  <p:cSld>
+    <p:spTree>
+      <p:nvGrpSpPr>
+        <p:cNvPr id="1" name=""/>
+        <p:cNvGrpSpPr/>
+        <p:nvPr/>
+      </p:nvGrpSpPr>
+      <p:grpSpPr>
+        <a:xfrm>
+          <a:off x="0" y="0"/>
+          <a:ext cx="0" cy="0"/>
+          <a:chOff x="0" y="0"/>
+          <a:chExt cx="0" cy="0"/>
+        </a:xfrm>
+      </p:grpSpPr>
+      <p:sp>
+        <p:nvSpPr>
+          <p:cNvPr id="2" name="Title 1">
+            <a:extLst>
+              <a:ext uri="{FF2B5EF4-FFF2-40B4-BE49-F238E27FC236}">
+                <a16:creationId xmlns:a16="http://schemas.microsoft.com/office/drawing/2014/main" id="{07A4B2A2-9D60-47C0-9455-5B57E9B30E87}"/>
+              </a:ext>
+            </a:extLst>
+          </p:cNvPr>
+          <p:cNvSpPr>
+            <a:spLocks noGrp="1"/>
+          </p:cNvSpPr>
+          <p:nvPr>
+            <p:ph type="title"/>
+          </p:nvPr>
+        </p:nvSpPr>
+        <p:spPr/>
+        <p:txBody>
+          <a:bodyPr/>
+          <a:lstStyle/>
+          <a:p>
+            <a:r>
+              <a:rPr lang="en-US" dirty="0"/>
+              <a:t>Worst Case Example</a:t>
+            </a:r>
+          </a:p>
+        </p:txBody>
+      </p:sp>
+      <p:sp>
+        <p:nvSpPr>
+          <p:cNvPr id="3" name="Content Placeholder 2">
+            <a:extLst>
+              <a:ext uri="{FF2B5EF4-FFF2-40B4-BE49-F238E27FC236}">
+                <a16:creationId xmlns:a16="http://schemas.microsoft.com/office/drawing/2014/main" id="{F872DF4A-230E-4AC1-B36D-F5A309EFE34E}"/>
+              </a:ext>
+            </a:extLst>
+          </p:cNvPr>
+          <p:cNvSpPr>
+            <a:spLocks noGrp="1"/>
+          </p:cNvSpPr>
+          <p:nvPr>
+            <p:ph idx="1"/>
+          </p:nvPr>
+        </p:nvSpPr>
+        <p:spPr/>
+        <p:txBody>
+          <a:bodyPr/>
+          <a:lstStyle/>
+          <a:p>
+            <a:r>
+              <a:rPr lang="en-US" dirty="0"/>
+              <a:t>Not Possible?</a:t>
+            </a:r>
+          </a:p>
+          <a:p>
+            <a:r>
+              <a:rPr lang="en-US" dirty="0"/>
+              <a:t>Every case runs at O((E + V) * 2</a:t>
+            </a:r>
+            <a:r>
+              <a:rPr lang="en-US" baseline="30000" dirty="0"/>
+              <a:t>V</a:t>
+            </a:r>
+            <a:r>
+              <a:rPr lang="en-US" dirty="0"/>
+              <a:t>)</a:t>
+            </a:r>
+          </a:p>
+        </p:txBody>
+      </p:sp>
+    </p:spTree>
+    <p:extLst>
+      <p:ext uri="{BB962C8B-B14F-4D97-AF65-F5344CB8AC3E}">
+        <p14:creationId xmlns:p14="http://schemas.microsoft.com/office/powerpoint/2010/main" val="4279542032"/>
+      </p:ext>
+    </p:extLst>
+  </p:cSld>
+  <p:clrMapOvr>
+    <a:masterClrMapping/>
+  </p:clrMapOvr>
+</p:sld>
+</file>
+
+<file path=ppt/slides/slide9.xml><?xml version="1.0" encoding="utf-8"?>
+<p:sld xmlns:a="http://schemas.openxmlformats.org/drawingml/2006/main" xmlns:r="http://schemas.openxmlformats.org/officeDocument/2006/relationships" xmlns:p="http://schemas.openxmlformats.org/presentationml/2006/main">
+  <p:cSld>
+    <p:spTree>
+      <p:nvGrpSpPr>
+        <p:cNvPr id="1" name=""/>
+        <p:cNvGrpSpPr/>
+        <p:nvPr/>
+      </p:nvGrpSpPr>
+      <p:grpSpPr>
+        <a:xfrm>
+          <a:off x="0" y="0"/>
+          <a:ext cx="0" cy="0"/>
+          <a:chOff x="0" y="0"/>
+          <a:chExt cx="0" cy="0"/>
+        </a:xfrm>
+      </p:grpSpPr>
+      <p:sp>
+        <p:nvSpPr>
+          <p:cNvPr id="2" name="Title 1">
+            <a:extLst>
+              <a:ext uri="{FF2B5EF4-FFF2-40B4-BE49-F238E27FC236}">
+                <a16:creationId xmlns:a16="http://schemas.microsoft.com/office/drawing/2014/main" id="{732C63C5-CC53-4664-91C7-E7FCF939C3A6}"/>
+              </a:ext>
+            </a:extLst>
+          </p:cNvPr>
+          <p:cNvSpPr>
+            <a:spLocks noGrp="1"/>
+          </p:cNvSpPr>
+          <p:nvPr>
+            <p:ph type="title"/>
+          </p:nvPr>
+        </p:nvSpPr>
+        <p:spPr/>
+        <p:txBody>
+          <a:bodyPr/>
+          <a:lstStyle/>
+          <a:p>
+            <a:r>
+              <a:rPr lang="en-US" dirty="0"/>
+              <a:t>Test Cases</a:t>
+            </a:r>
+          </a:p>
+        </p:txBody>
+      </p:sp>
+      <p:sp>
+        <p:nvSpPr>
+          <p:cNvPr id="3" name="Content Placeholder 2">
+            <a:extLst>
+              <a:ext uri="{FF2B5EF4-FFF2-40B4-BE49-F238E27FC236}">
+                <a16:creationId xmlns:a16="http://schemas.microsoft.com/office/drawing/2014/main" id="{152B9DCD-EAC2-4981-A646-1269C63E7159}"/>
+              </a:ext>
+            </a:extLst>
+          </p:cNvPr>
+          <p:cNvSpPr>
+            <a:spLocks noGrp="1"/>
+          </p:cNvSpPr>
+          <p:nvPr>
+            <p:ph idx="1"/>
+          </p:nvPr>
+        </p:nvSpPr>
+        <p:spPr/>
+        <p:txBody>
+          <a:bodyPr/>
+          <a:lstStyle/>
+          <a:p>
+            <a:endParaRPr lang="en-US"/>
+          </a:p>
+        </p:txBody>
+      </p:sp>
+    </p:spTree>
+    <p:extLst>
+      <p:ext uri="{BB962C8B-B14F-4D97-AF65-F5344CB8AC3E}">
+        <p14:creationId xmlns:p14="http://schemas.microsoft.com/office/powerpoint/2010/main" val="2738139504"/>
       </p:ext>
     </p:extLst>
   </p:cSld>
